--- a/Milestone 1.pptx
+++ b/Milestone 1.pptx
@@ -5,12 +5,22 @@
     <p:sldMasterId id="2147483648" r:id="rId1"/>
   </p:sldMasterIdLst>
   <p:notesMasterIdLst>
-    <p:notesMasterId r:id="rId5"/>
+    <p:notesMasterId r:id="rId15"/>
   </p:notesMasterIdLst>
   <p:sldIdLst>
     <p:sldId id="256" r:id="rId2"/>
-    <p:sldId id="257" r:id="rId3"/>
-    <p:sldId id="258" r:id="rId4"/>
+    <p:sldId id="260" r:id="rId3"/>
+    <p:sldId id="257" r:id="rId4"/>
+    <p:sldId id="265" r:id="rId5"/>
+    <p:sldId id="261" r:id="rId6"/>
+    <p:sldId id="266" r:id="rId7"/>
+    <p:sldId id="267" r:id="rId8"/>
+    <p:sldId id="268" r:id="rId9"/>
+    <p:sldId id="264" r:id="rId10"/>
+    <p:sldId id="259" r:id="rId11"/>
+    <p:sldId id="258" r:id="rId12"/>
+    <p:sldId id="262" r:id="rId13"/>
+    <p:sldId id="263" r:id="rId14"/>
   </p:sldIdLst>
   <p:sldSz cx="12192000" cy="6858000"/>
   <p:notesSz cx="6858000" cy="9144000"/>
@@ -109,7 +119,41 @@
       </a:defRPr>
     </a:lvl9pPr>
   </p:defaultTextStyle>
+  <p:extLst>
+    <p:ext uri="{EFAFB233-063F-42B5-8137-9DF3F51BA10A}">
+      <p15:sldGuideLst xmlns:p15="http://schemas.microsoft.com/office/powerpoint/2012/main"/>
+    </p:ext>
+  </p:extLst>
 </p:presentation>
+</file>
+
+<file path=ppt/ink/ink1.xml><?xml version="1.0" encoding="utf-8"?>
+<inkml:ink xmlns:inkml="http://www.w3.org/2003/InkML">
+  <inkml:definitions>
+    <inkml:context xml:id="ctx0">
+      <inkml:inkSource xml:id="inkSrc0">
+        <inkml:traceFormat>
+          <inkml:channel name="X" type="integer" min="-2.14748E9" max="2.14748E9" units="cm"/>
+          <inkml:channel name="Y" type="integer" min="-2.14748E9" max="2.14748E9" units="cm"/>
+        </inkml:traceFormat>
+        <inkml:channelProperties>
+          <inkml:channelProperty channel="X" name="resolution" value="1000" units="1/cm"/>
+          <inkml:channelProperty channel="Y" name="resolution" value="1000" units="1/cm"/>
+        </inkml:channelProperties>
+      </inkml:inkSource>
+      <inkml:timestamp xml:id="ts0" timeString="2024-07-15T11:12:10.037"/>
+    </inkml:context>
+    <inkml:brush xml:id="br0">
+      <inkml:brushProperty name="width" value="0.3" units="cm"/>
+      <inkml:brushProperty name="height" value="0.6" units="cm"/>
+      <inkml:brushProperty name="color" value="#FFFC00"/>
+      <inkml:brushProperty name="tip" value="rectangle"/>
+      <inkml:brushProperty name="rasterOp" value="maskPen"/>
+      <inkml:brushProperty name="ignorePressure" value="1"/>
+    </inkml:brush>
+  </inkml:definitions>
+  <inkml:trace contextRef="#ctx0" brushRef="#br0">0 153,'60'-3,"0"-2,68-16,75-7,-65 25,16-2,87-20,-177 14,1 3,87 1,270 9,-290-2,-120-1,0 0,24-6,10-1,25-2,26 0,321 8,-210 3,1349-1,-1549 0,0 1,0-1,0 1,0 0,0 1,-1 0,1 0,-1 1,10 4,-2 0,1-1,-1 0,2-1,-1-1,34 4,-9-5,54-2,-90-1,1 0,-1 0,1 1,6 1,-1 1</inkml:trace>
+</inkml:ink>
 </file>
 
 <file path=ppt/notesMasters/notesMaster1.xml><?xml version="1.0" encoding="utf-8"?>
@@ -194,7 +238,7 @@
           <a:p>
             <a:fld id="{E3B19E15-807E-4448-8252-3FAE93D1E26B}" type="datetimeFigureOut">
               <a:rPr lang="he-IL" smtClean="0"/>
-              <a:t>כ"ז/סיון/תשפ"ד</a:t>
+              <a:t>ט'/תמוז/תשפ"ד</a:t>
             </a:fld>
             <a:endParaRPr lang="he-IL"/>
           </a:p>
@@ -506,11 +550,338 @@
           <a:bodyPr/>
           <a:lstStyle/>
           <a:p>
-            <a:r>
+            <a:pPr algn="r" rtl="1"/>
+            <a:r>
+              <a:rPr lang="he-IL" dirty="0"/>
+              <a:t>הנקודות שנרצה להתייחס אליהן:</a:t>
+            </a:r>
+          </a:p>
+          <a:p>
+            <a:pPr marL="228600" indent="-228600" algn="r" rtl="1">
+              <a:buAutoNum type="arabicPeriod"/>
+            </a:pPr>
+            <a:r>
+              <a:rPr lang="he-IL" dirty="0"/>
+              <a:t>כללי - איך נראה </a:t>
+            </a:r>
+            <a:r>
+              <a:rPr lang="he-IL" dirty="0" err="1"/>
+              <a:t>הדאטא</a:t>
+            </a:r>
+            <a:r>
+              <a:rPr lang="he-IL" dirty="0"/>
+              <a:t> – מאפיינים שונים:</a:t>
+            </a:r>
+          </a:p>
+          <a:p>
+            <a:pPr marL="685800" marR="0" lvl="1" indent="-228600" algn="r" defTabSz="914400" rtl="1" eaLnBrk="1" fontAlgn="auto" latinLnBrk="0" hangingPunct="1">
+              <a:lnSpc>
+                <a:spcPct val="100000"/>
+              </a:lnSpc>
+              <a:spcBef>
+                <a:spcPts val="0"/>
+              </a:spcBef>
+              <a:spcAft>
+                <a:spcPts val="0"/>
+              </a:spcAft>
+              <a:buClrTx/>
+              <a:buSzTx/>
+              <a:buFontTx/>
+              <a:buAutoNum type="arabicPeriod"/>
+              <a:tabLst/>
+              <a:defRPr/>
+            </a:pPr>
+            <a:r>
+              <a:rPr lang="he-IL" dirty="0"/>
+              <a:t>כמות דגימות לכל בבון</a:t>
+            </a:r>
+          </a:p>
+          <a:p>
+            <a:pPr marL="685800" lvl="1" indent="-228600" algn="r" rtl="1">
+              <a:buAutoNum type="arabicPeriod"/>
+            </a:pPr>
+            <a:r>
+              <a:rPr lang="he-IL" dirty="0"/>
+              <a:t>צפיפות דגימות משתנה</a:t>
+            </a:r>
+          </a:p>
+          <a:p>
+            <a:pPr marL="685800" lvl="1" indent="-228600" algn="r" rtl="1">
+              <a:buAutoNum type="arabicPeriod"/>
+            </a:pPr>
+            <a:r>
+              <a:rPr lang="he-IL" dirty="0"/>
+              <a:t>הפרשי זמנים גדולים</a:t>
+            </a:r>
+          </a:p>
+          <a:p>
+            <a:pPr marL="228600" lvl="0" indent="-228600" algn="r" rtl="1">
+              <a:buAutoNum type="arabicPeriod"/>
+            </a:pPr>
+            <a:r>
+              <a:rPr lang="he-IL" dirty="0"/>
+              <a:t>לאילו פיצ'רים יש להתייחס</a:t>
+            </a:r>
+          </a:p>
+          <a:p>
+            <a:pPr marL="685800" lvl="1" indent="-228600" algn="r" rtl="1">
+              <a:buAutoNum type="arabicPeriod"/>
+            </a:pPr>
+            <a:r>
+              <a:rPr lang="he-IL" dirty="0"/>
+              <a:t>עונה מוכלת בחודשים – הלימה מלאה</a:t>
+            </a:r>
+          </a:p>
+          <a:p>
+            <a:pPr marL="685800" lvl="1" indent="-228600" algn="r" rtl="1">
+              <a:buAutoNum type="arabicPeriod"/>
+            </a:pPr>
+            <a:r>
+              <a:rPr lang="he-IL" dirty="0"/>
+              <a:t>הפרדה בין עונות – לא נראית קורלציה משמעותית גם על פי המאמר – אין צורך להפריד</a:t>
+            </a:r>
+          </a:p>
+          <a:p>
+            <a:pPr marL="685800" lvl="1" indent="-228600" algn="r" rtl="1">
+              <a:buAutoNum type="arabicPeriod"/>
+            </a:pPr>
+            <a:r>
+              <a:rPr lang="he-IL" dirty="0"/>
+              <a:t>הפרדה בין זכרים לנקבות – באופן דומה, לא נראה משמעותי – אין צורך להפריד</a:t>
+            </a:r>
+          </a:p>
+          <a:p>
+            <a:pPr marL="228600" lvl="0" indent="-228600" algn="r" rtl="1">
+              <a:buAutoNum type="arabicPeriod"/>
+            </a:pPr>
+            <a:r>
+              <a:rPr lang="he-IL" dirty="0" err="1"/>
+              <a:t>דאטא</a:t>
+            </a:r>
+            <a:r>
+              <a:rPr lang="he-IL" dirty="0"/>
+              <a:t> טמפורלי לא אחיד – האם זו בעיה?</a:t>
+            </a:r>
+          </a:p>
+          <a:p>
+            <a:pPr marL="685800" lvl="1" indent="-228600" algn="r" rtl="1">
+              <a:buAutoNum type="arabicPeriod"/>
+            </a:pPr>
+            <a:r>
+              <a:rPr lang="he-IL" dirty="0"/>
+              <a:t>מספר דגימות באותו יום מאותו בבון – נראה הגיוני לקחת ממוצע (נצפו מרחקים קטנים בין דגימות כאלו)</a:t>
+            </a:r>
+          </a:p>
+          <a:p>
+            <a:pPr marL="685800" lvl="1" indent="-228600" algn="r" rtl="1">
+              <a:buAutoNum type="arabicPeriod"/>
+            </a:pPr>
+            <a:r>
+              <a:rPr lang="he-IL" dirty="0"/>
+              <a:t>התייחסות ל"תקופות" בחייו של בבון – בהתאם למרווחים גדולים בין דגימות, או לחילופין בהתאם לשינוי בצפיפות</a:t>
+            </a:r>
+            <a:br>
               <a:rPr lang="en-US" dirty="0"/>
-              <a:t>107 samples taken same day</a:t>
+            </a:br>
+            <a:r>
+              <a:rPr lang="he-IL" dirty="0"/>
+              <a:t>אם הולכים על אפשרות זו, יש לבחון כיצד לקחת בחשבון את הקשר שיש בין תקופות של אותו בבון.</a:t>
+            </a:r>
+          </a:p>
+          <a:p>
+            <a:pPr marL="685800" lvl="1" indent="-228600" algn="r" rtl="1">
+              <a:buAutoNum type="arabicPeriod"/>
+            </a:pPr>
+            <a:r>
+              <a:rPr lang="he-IL" dirty="0"/>
+              <a:t>אופציה נוספת – משקלים כחלק מהלמידה, שלוקחים בחשבון את הזמן שעבר מהדגימה הקודמת – ככל שעבר יותר זמן, משקל קטן יותר ניתן לדגימה הקודמת</a:t>
+            </a:r>
+          </a:p>
+          <a:p>
+            <a:pPr marL="228600" lvl="0" indent="-228600" algn="r" rtl="1">
+              <a:buAutoNum type="arabicPeriod"/>
+            </a:pPr>
+            <a:r>
+              <a:rPr lang="he-IL" dirty="0"/>
+              <a:t>אנליזת מרחקים בין דגימות</a:t>
+            </a:r>
+          </a:p>
+          <a:p>
+            <a:pPr marL="685800" lvl="1" indent="-228600" algn="r" rtl="1">
+              <a:buAutoNum type="arabicPeriod"/>
+            </a:pPr>
+            <a:r>
+              <a:rPr lang="he-IL" dirty="0"/>
+              <a:t>בין דגימות עוקבות – תצוגת תכלית </a:t>
+            </a:r>
+            <a:r>
+              <a:rPr lang="en-US" dirty="0"/>
+              <a:t>HTML</a:t>
             </a:r>
             <a:endParaRPr lang="he-IL" dirty="0"/>
+          </a:p>
+          <a:p>
+            <a:pPr marL="685800" lvl="1" indent="-228600" algn="r" rtl="1">
+              <a:buAutoNum type="arabicPeriod"/>
+            </a:pPr>
+            <a:r>
+              <a:rPr lang="he-IL" dirty="0"/>
+              <a:t>בין ממוצע הדגימות לכל דגימה</a:t>
+            </a:r>
+          </a:p>
+          <a:p>
+            <a:pPr marL="457200" lvl="1" indent="0" algn="r" rtl="1">
+              <a:buNone/>
+            </a:pPr>
+            <a:r>
+              <a:rPr lang="he-IL" dirty="0"/>
+              <a:t>בשני המקרים אנו רואים התפלגות דומה – נורמלית סביב ~0.35. </a:t>
+            </a:r>
+            <a:r>
+              <a:rPr lang="he-IL" u="sng" dirty="0"/>
+              <a:t>מעניין לראות שקורה גם עבור דגימות "עוקבות" שעבר </a:t>
+            </a:r>
+            <a:r>
+              <a:rPr lang="he-IL" u="sng" dirty="0" err="1"/>
+              <a:t>בינהן</a:t>
+            </a:r>
+            <a:r>
+              <a:rPr lang="he-IL" u="sng" dirty="0"/>
+              <a:t> זמן רב</a:t>
+            </a:r>
+          </a:p>
+          <a:p>
+            <a:pPr marL="228600" lvl="0" indent="-228600" algn="r" rtl="1">
+              <a:buAutoNum type="arabicPeriod"/>
+            </a:pPr>
+            <a:r>
+              <a:rPr lang="he-IL" dirty="0"/>
+              <a:t>קיבוץ בבונים לפי דמיון של </a:t>
+            </a:r>
+            <a:r>
+              <a:rPr lang="he-IL" dirty="0" err="1"/>
+              <a:t>המיקרוביום</a:t>
+            </a:r>
+            <a:r>
+              <a:rPr lang="he-IL" dirty="0"/>
+              <a:t> – לקחנו את הדגימה הממוצעת לכל בבון.</a:t>
+            </a:r>
+            <a:br>
+              <a:rPr lang="en-US" dirty="0"/>
+            </a:br>
+            <a:r>
+              <a:rPr lang="he-IL" dirty="0"/>
+              <a:t>נמצאו 5 </a:t>
+            </a:r>
+            <a:r>
+              <a:rPr lang="he-IL" dirty="0" err="1"/>
+              <a:t>קלאסטרים</a:t>
+            </a:r>
+            <a:r>
+              <a:rPr lang="he-IL" dirty="0"/>
+              <a:t>, ונראית הפרדה טובה יחסית </a:t>
+            </a:r>
+            <a:r>
+              <a:rPr lang="he-IL" dirty="0" err="1"/>
+              <a:t>בינהם</a:t>
+            </a:r>
+            <a:r>
+              <a:rPr lang="he-IL" dirty="0"/>
+              <a:t> (האם צריך גם מדד מספרי לכך?)</a:t>
+            </a:r>
+          </a:p>
+          <a:p>
+            <a:pPr marL="685800" lvl="1" indent="-228600" algn="r" rtl="1">
+              <a:buAutoNum type="arabicPeriod"/>
+            </a:pPr>
+            <a:r>
+              <a:rPr lang="he-IL" dirty="0"/>
+              <a:t>מאפיינים מסבירים בין הקבוצות:</a:t>
+            </a:r>
+          </a:p>
+          <a:p>
+            <a:pPr marL="1143000" lvl="2" indent="-228600" algn="r" rtl="1">
+              <a:buAutoNum type="arabicPeriod"/>
+            </a:pPr>
+            <a:r>
+              <a:rPr lang="en-US" dirty="0"/>
+              <a:t>Social groups</a:t>
+            </a:r>
+            <a:r>
+              <a:rPr lang="he-IL" dirty="0"/>
+              <a:t> – לא נראתה קורלציה משמעותית</a:t>
+            </a:r>
+          </a:p>
+          <a:p>
+            <a:pPr marL="1143000" lvl="2" indent="-228600" algn="r" rtl="1">
+              <a:buAutoNum type="arabicPeriod"/>
+            </a:pPr>
+            <a:r>
+              <a:rPr lang="he-IL" dirty="0"/>
+              <a:t>קשרי משפחה – לא נבדק, היינו רוצים </a:t>
+            </a:r>
+            <a:r>
+              <a:rPr lang="he-IL" dirty="0" err="1"/>
+              <a:t>דאטא</a:t>
+            </a:r>
+            <a:r>
+              <a:rPr lang="he-IL" dirty="0"/>
+              <a:t> שיאפשר לבדוק זאת?</a:t>
+            </a:r>
+          </a:p>
+          <a:p>
+            <a:pPr marL="228600" lvl="0" indent="-228600" algn="r" rtl="1">
+              <a:buAutoNum type="arabicPeriod"/>
+            </a:pPr>
+            <a:r>
+              <a:rPr lang="he-IL" dirty="0"/>
+              <a:t>צעדים להמשך:</a:t>
+            </a:r>
+          </a:p>
+          <a:p>
+            <a:pPr marL="685800" lvl="1" indent="-228600" algn="r" rtl="1">
+              <a:buAutoNum type="arabicPeriod"/>
+            </a:pPr>
+            <a:r>
+              <a:rPr lang="he-IL" dirty="0"/>
+              <a:t>בחירת אופן ההתמודדות עם פערי </a:t>
+            </a:r>
+            <a:r>
+              <a:rPr lang="he-IL" dirty="0" err="1"/>
+              <a:t>הדאטא</a:t>
+            </a:r>
+            <a:r>
+              <a:rPr lang="he-IL" dirty="0"/>
+              <a:t> מבחינת זמנים – פער מרכזי שאנו צופים שישפיע על החיזוי</a:t>
+            </a:r>
+            <a:endParaRPr lang="en-US" dirty="0"/>
+          </a:p>
+          <a:p>
+            <a:pPr marL="685800" lvl="1" indent="-228600" algn="r" rtl="1">
+              <a:buAutoNum type="arabicPeriod"/>
+            </a:pPr>
+            <a:r>
+              <a:rPr lang="he-IL" dirty="0"/>
+              <a:t>שאלה – מהי הדגימה הבאה שעלינו לחזות מבחינת זמן? עשוי להיות הבדל בין חיזוי לעונה יבשה לרטובה למשל....</a:t>
+            </a:r>
+          </a:p>
+          <a:p>
+            <a:pPr marL="1143000" lvl="2" indent="-228600" algn="r" rtl="1">
+              <a:buAutoNum type="arabicPeriod"/>
+            </a:pPr>
+            <a:endParaRPr lang="he-IL" dirty="0"/>
+          </a:p>
+          <a:p>
+            <a:pPr marL="228600" lvl="0" indent="-228600" algn="r" rtl="1">
+              <a:buAutoNum type="arabicPeriod"/>
+            </a:pPr>
+            <a:endParaRPr lang="he-IL" dirty="0"/>
+          </a:p>
+          <a:p>
+            <a:pPr marL="685800" lvl="1" indent="-228600">
+              <a:buAutoNum type="arabicPeriod"/>
+            </a:pPr>
+            <a:endParaRPr lang="en-IL" dirty="0"/>
           </a:p>
         </p:txBody>
       </p:sp>
@@ -540,7 +911,736 @@
     </p:spTree>
     <p:extLst>
       <p:ext uri="{BB962C8B-B14F-4D97-AF65-F5344CB8AC3E}">
+        <p14:creationId xmlns:p14="http://schemas.microsoft.com/office/powerpoint/2010/main" val="34748608"/>
+      </p:ext>
+    </p:extLst>
+  </p:cSld>
+  <p:clrMapOvr>
+    <a:masterClrMapping/>
+  </p:clrMapOvr>
+</p:notes>
+</file>
+
+<file path=ppt/notesSlides/notesSlide2.xml><?xml version="1.0" encoding="utf-8"?>
+<p:notes xmlns:a="http://schemas.openxmlformats.org/drawingml/2006/main" xmlns:r="http://schemas.openxmlformats.org/officeDocument/2006/relationships" xmlns:p="http://schemas.openxmlformats.org/presentationml/2006/main">
+  <p:cSld>
+    <p:spTree>
+      <p:nvGrpSpPr>
+        <p:cNvPr id="1" name=""/>
+        <p:cNvGrpSpPr/>
+        <p:nvPr/>
+      </p:nvGrpSpPr>
+      <p:grpSpPr>
+        <a:xfrm>
+          <a:off x="0" y="0"/>
+          <a:ext cx="0" cy="0"/>
+          <a:chOff x="0" y="0"/>
+          <a:chExt cx="0" cy="0"/>
+        </a:xfrm>
+      </p:grpSpPr>
+      <p:sp>
+        <p:nvSpPr>
+          <p:cNvPr id="2" name="Slide Image Placeholder 1"/>
+          <p:cNvSpPr>
+            <a:spLocks noGrp="1" noRot="1" noChangeAspect="1"/>
+          </p:cNvSpPr>
+          <p:nvPr>
+            <p:ph type="sldImg"/>
+          </p:nvPr>
+        </p:nvSpPr>
+        <p:spPr/>
+      </p:sp>
+      <p:sp>
+        <p:nvSpPr>
+          <p:cNvPr id="3" name="Notes Placeholder 2"/>
+          <p:cNvSpPr>
+            <a:spLocks noGrp="1"/>
+          </p:cNvSpPr>
+          <p:nvPr>
+            <p:ph type="body" idx="1"/>
+          </p:nvPr>
+        </p:nvSpPr>
+        <p:spPr/>
+        <p:txBody>
+          <a:bodyPr/>
+          <a:lstStyle/>
+          <a:p>
+            <a:r>
+              <a:rPr lang="en-US" dirty="0"/>
+              <a:t>107 samples taken same day</a:t>
+            </a:r>
+          </a:p>
+        </p:txBody>
+      </p:sp>
+      <p:sp>
+        <p:nvSpPr>
+          <p:cNvPr id="4" name="Slide Number Placeholder 3"/>
+          <p:cNvSpPr>
+            <a:spLocks noGrp="1"/>
+          </p:cNvSpPr>
+          <p:nvPr>
+            <p:ph type="sldNum" sz="quarter" idx="5"/>
+          </p:nvPr>
+        </p:nvSpPr>
+        <p:spPr/>
+        <p:txBody>
+          <a:bodyPr/>
+          <a:lstStyle/>
+          <a:p>
+            <a:fld id="{1953AF5B-F3A6-48BF-9D5A-53DBBACACE09}" type="slidenum">
+              <a:rPr lang="he-IL" smtClean="0"/>
+              <a:t>3</a:t>
+            </a:fld>
+            <a:endParaRPr lang="he-IL"/>
+          </a:p>
+        </p:txBody>
+      </p:sp>
+    </p:spTree>
+    <p:extLst>
+      <p:ext uri="{BB962C8B-B14F-4D97-AF65-F5344CB8AC3E}">
         <p14:creationId xmlns:p14="http://schemas.microsoft.com/office/powerpoint/2010/main" val="228351992"/>
+      </p:ext>
+    </p:extLst>
+  </p:cSld>
+  <p:clrMapOvr>
+    <a:masterClrMapping/>
+  </p:clrMapOvr>
+</p:notes>
+</file>
+
+<file path=ppt/notesSlides/notesSlide3.xml><?xml version="1.0" encoding="utf-8"?>
+<p:notes xmlns:a="http://schemas.openxmlformats.org/drawingml/2006/main" xmlns:r="http://schemas.openxmlformats.org/officeDocument/2006/relationships" xmlns:p="http://schemas.openxmlformats.org/presentationml/2006/main">
+  <p:cSld>
+    <p:spTree>
+      <p:nvGrpSpPr>
+        <p:cNvPr id="1" name=""/>
+        <p:cNvGrpSpPr/>
+        <p:nvPr/>
+      </p:nvGrpSpPr>
+      <p:grpSpPr>
+        <a:xfrm>
+          <a:off x="0" y="0"/>
+          <a:ext cx="0" cy="0"/>
+          <a:chOff x="0" y="0"/>
+          <a:chExt cx="0" cy="0"/>
+        </a:xfrm>
+      </p:grpSpPr>
+      <p:sp>
+        <p:nvSpPr>
+          <p:cNvPr id="2" name="Slide Image Placeholder 1"/>
+          <p:cNvSpPr>
+            <a:spLocks noGrp="1" noRot="1" noChangeAspect="1"/>
+          </p:cNvSpPr>
+          <p:nvPr>
+            <p:ph type="sldImg"/>
+          </p:nvPr>
+        </p:nvSpPr>
+        <p:spPr/>
+      </p:sp>
+      <p:sp>
+        <p:nvSpPr>
+          <p:cNvPr id="3" name="Notes Placeholder 2"/>
+          <p:cNvSpPr>
+            <a:spLocks noGrp="1"/>
+          </p:cNvSpPr>
+          <p:nvPr>
+            <p:ph type="body" idx="1"/>
+          </p:nvPr>
+        </p:nvSpPr>
+        <p:spPr/>
+        <p:txBody>
+          <a:bodyPr/>
+          <a:lstStyle/>
+          <a:p>
+            <a:pPr algn="r"/>
+            <a:r>
+              <a:rPr lang="he-IL" dirty="0"/>
+              <a:t>כמה </a:t>
+            </a:r>
+            <a:r>
+              <a:rPr lang="he-IL" dirty="0" err="1"/>
+              <a:t>הדאטא</a:t>
+            </a:r>
+            <a:r>
+              <a:rPr lang="he-IL" dirty="0"/>
+              <a:t> רועש?</a:t>
+            </a:r>
+          </a:p>
+          <a:p>
+            <a:pPr algn="r"/>
+            <a:r>
+              <a:rPr lang="he-IL" dirty="0"/>
+              <a:t>אפילו בין דגימות של אותו יום אנחנו רואים הבדלים </a:t>
+            </a:r>
+            <a:r>
+              <a:rPr lang="he-IL" dirty="0" err="1"/>
+              <a:t>מסויימים</a:t>
+            </a:r>
+            <a:r>
+              <a:rPr lang="he-IL" dirty="0"/>
+              <a:t>.</a:t>
+            </a:r>
+          </a:p>
+          <a:p>
+            <a:pPr algn="r"/>
+            <a:r>
+              <a:rPr lang="he-IL" dirty="0"/>
+              <a:t>הבדלים אלו הם </a:t>
+            </a:r>
+            <a:r>
+              <a:rPr lang="he-IL" dirty="0" err="1"/>
+              <a:t>ככה"נ</a:t>
+            </a:r>
+            <a:r>
+              <a:rPr lang="he-IL" dirty="0"/>
+              <a:t> תוצאה של רעש – מדידה לא </a:t>
+            </a:r>
+            <a:r>
+              <a:rPr lang="he-IL" dirty="0" err="1"/>
+              <a:t>מדוייקת</a:t>
+            </a:r>
+            <a:r>
+              <a:rPr lang="he-IL" dirty="0"/>
+              <a:t> או זיהומים בתהליך האיסוף</a:t>
+            </a:r>
+            <a:endParaRPr lang="en-IL" dirty="0"/>
+          </a:p>
+        </p:txBody>
+      </p:sp>
+      <p:sp>
+        <p:nvSpPr>
+          <p:cNvPr id="4" name="Slide Number Placeholder 3"/>
+          <p:cNvSpPr>
+            <a:spLocks noGrp="1"/>
+          </p:cNvSpPr>
+          <p:nvPr>
+            <p:ph type="sldNum" sz="quarter" idx="5"/>
+          </p:nvPr>
+        </p:nvSpPr>
+        <p:spPr/>
+        <p:txBody>
+          <a:bodyPr/>
+          <a:lstStyle/>
+          <a:p>
+            <a:fld id="{1953AF5B-F3A6-48BF-9D5A-53DBBACACE09}" type="slidenum">
+              <a:rPr lang="he-IL" smtClean="0"/>
+              <a:t>4</a:t>
+            </a:fld>
+            <a:endParaRPr lang="he-IL"/>
+          </a:p>
+        </p:txBody>
+      </p:sp>
+    </p:spTree>
+    <p:extLst>
+      <p:ext uri="{BB962C8B-B14F-4D97-AF65-F5344CB8AC3E}">
+        <p14:creationId xmlns:p14="http://schemas.microsoft.com/office/powerpoint/2010/main" val="1337461479"/>
+      </p:ext>
+    </p:extLst>
+  </p:cSld>
+  <p:clrMapOvr>
+    <a:masterClrMapping/>
+  </p:clrMapOvr>
+</p:notes>
+</file>
+
+<file path=ppt/notesSlides/notesSlide4.xml><?xml version="1.0" encoding="utf-8"?>
+<p:notes xmlns:a="http://schemas.openxmlformats.org/drawingml/2006/main" xmlns:r="http://schemas.openxmlformats.org/officeDocument/2006/relationships" xmlns:p="http://schemas.openxmlformats.org/presentationml/2006/main">
+  <p:cSld>
+    <p:spTree>
+      <p:nvGrpSpPr>
+        <p:cNvPr id="1" name=""/>
+        <p:cNvGrpSpPr/>
+        <p:nvPr/>
+      </p:nvGrpSpPr>
+      <p:grpSpPr>
+        <a:xfrm>
+          <a:off x="0" y="0"/>
+          <a:ext cx="0" cy="0"/>
+          <a:chOff x="0" y="0"/>
+          <a:chExt cx="0" cy="0"/>
+        </a:xfrm>
+      </p:grpSpPr>
+      <p:sp>
+        <p:nvSpPr>
+          <p:cNvPr id="2" name="Slide Image Placeholder 1"/>
+          <p:cNvSpPr>
+            <a:spLocks noGrp="1" noRot="1" noChangeAspect="1"/>
+          </p:cNvSpPr>
+          <p:nvPr>
+            <p:ph type="sldImg"/>
+          </p:nvPr>
+        </p:nvSpPr>
+        <p:spPr/>
+      </p:sp>
+      <p:sp>
+        <p:nvSpPr>
+          <p:cNvPr id="3" name="Notes Placeholder 2"/>
+          <p:cNvSpPr>
+            <a:spLocks noGrp="1"/>
+          </p:cNvSpPr>
+          <p:nvPr>
+            <p:ph type="body" idx="1"/>
+          </p:nvPr>
+        </p:nvSpPr>
+        <p:spPr/>
+        <p:txBody>
+          <a:bodyPr/>
+          <a:lstStyle/>
+          <a:p>
+            <a:endParaRPr lang="en-IL" dirty="0"/>
+          </a:p>
+        </p:txBody>
+      </p:sp>
+      <p:sp>
+        <p:nvSpPr>
+          <p:cNvPr id="4" name="Slide Number Placeholder 3"/>
+          <p:cNvSpPr>
+            <a:spLocks noGrp="1"/>
+          </p:cNvSpPr>
+          <p:nvPr>
+            <p:ph type="sldNum" sz="quarter" idx="5"/>
+          </p:nvPr>
+        </p:nvSpPr>
+        <p:spPr/>
+        <p:txBody>
+          <a:bodyPr/>
+          <a:lstStyle/>
+          <a:p>
+            <a:fld id="{1953AF5B-F3A6-48BF-9D5A-53DBBACACE09}" type="slidenum">
+              <a:rPr lang="he-IL" smtClean="0"/>
+              <a:t>5</a:t>
+            </a:fld>
+            <a:endParaRPr lang="he-IL"/>
+          </a:p>
+        </p:txBody>
+      </p:sp>
+    </p:spTree>
+    <p:extLst>
+      <p:ext uri="{BB962C8B-B14F-4D97-AF65-F5344CB8AC3E}">
+        <p14:creationId xmlns:p14="http://schemas.microsoft.com/office/powerpoint/2010/main" val="2136661973"/>
+      </p:ext>
+    </p:extLst>
+  </p:cSld>
+  <p:clrMapOvr>
+    <a:masterClrMapping/>
+  </p:clrMapOvr>
+</p:notes>
+</file>
+
+<file path=ppt/notesSlides/notesSlide5.xml><?xml version="1.0" encoding="utf-8"?>
+<p:notes xmlns:a="http://schemas.openxmlformats.org/drawingml/2006/main" xmlns:r="http://schemas.openxmlformats.org/officeDocument/2006/relationships" xmlns:p="http://schemas.openxmlformats.org/presentationml/2006/main">
+  <p:cSld>
+    <p:spTree>
+      <p:nvGrpSpPr>
+        <p:cNvPr id="1" name=""/>
+        <p:cNvGrpSpPr/>
+        <p:nvPr/>
+      </p:nvGrpSpPr>
+      <p:grpSpPr>
+        <a:xfrm>
+          <a:off x="0" y="0"/>
+          <a:ext cx="0" cy="0"/>
+          <a:chOff x="0" y="0"/>
+          <a:chExt cx="0" cy="0"/>
+        </a:xfrm>
+      </p:grpSpPr>
+      <p:sp>
+        <p:nvSpPr>
+          <p:cNvPr id="2" name="Slide Image Placeholder 1"/>
+          <p:cNvSpPr>
+            <a:spLocks noGrp="1" noRot="1" noChangeAspect="1"/>
+          </p:cNvSpPr>
+          <p:nvPr>
+            <p:ph type="sldImg"/>
+          </p:nvPr>
+        </p:nvSpPr>
+        <p:spPr/>
+      </p:sp>
+      <p:sp>
+        <p:nvSpPr>
+          <p:cNvPr id="3" name="Notes Placeholder 2"/>
+          <p:cNvSpPr>
+            <a:spLocks noGrp="1"/>
+          </p:cNvSpPr>
+          <p:nvPr>
+            <p:ph type="body" idx="1"/>
+          </p:nvPr>
+        </p:nvSpPr>
+        <p:spPr/>
+        <p:txBody>
+          <a:bodyPr/>
+          <a:lstStyle/>
+          <a:p>
+            <a:pPr algn="r" rtl="1"/>
+            <a:r>
+              <a:rPr lang="he-IL" dirty="0"/>
+              <a:t>מה רואים?</a:t>
+            </a:r>
+          </a:p>
+          <a:p>
+            <a:pPr algn="r" rtl="1"/>
+            <a:r>
+              <a:rPr lang="he-IL" dirty="0"/>
+              <a:t>עבור כל בבון חישבנו את הדגימה </a:t>
+            </a:r>
+            <a:r>
+              <a:rPr lang="he-IL" dirty="0" err="1"/>
+              <a:t>ההממוצעת</a:t>
+            </a:r>
+            <a:r>
+              <a:rPr lang="he-IL" dirty="0"/>
+              <a:t>, ולאחר מכן חישבנו מרחק </a:t>
+            </a:r>
+            <a:r>
+              <a:rPr lang="en-US" dirty="0"/>
+              <a:t>bray </a:t>
+            </a:r>
+            <a:r>
+              <a:rPr lang="en-US" dirty="0" err="1"/>
+              <a:t>curtis</a:t>
+            </a:r>
+            <a:r>
+              <a:rPr lang="he-IL" dirty="0"/>
+              <a:t> מכל דגימה של הבבון לדגימה הממוצעת</a:t>
+            </a:r>
+          </a:p>
+          <a:p>
+            <a:pPr algn="r" rtl="1"/>
+            <a:r>
+              <a:rPr lang="he-IL" dirty="0"/>
+              <a:t>כל המרחקים של כל הבבונים </a:t>
+            </a:r>
+            <a:r>
+              <a:rPr lang="he-IL" dirty="0" err="1"/>
+              <a:t>מתואים</a:t>
+            </a:r>
+            <a:r>
+              <a:rPr lang="he-IL" dirty="0"/>
+              <a:t> בגרף</a:t>
+            </a:r>
+          </a:p>
+          <a:p>
+            <a:pPr algn="r" rtl="1"/>
+            <a:r>
+              <a:rPr lang="he-IL" dirty="0"/>
+              <a:t>המרחק של הדגימות מהדגימה הממוצעת מתפלג בקירוב נורמלית סביב 0.35.</a:t>
+            </a:r>
+          </a:p>
+          <a:p>
+            <a:pPr algn="r" rtl="1"/>
+            <a:r>
+              <a:rPr lang="he-IL" dirty="0"/>
+              <a:t>מעניין לראות – בשקף הבא!</a:t>
+            </a:r>
+          </a:p>
+          <a:p>
+            <a:pPr algn="r" rtl="1"/>
+            <a:endParaRPr lang="en-IL" dirty="0"/>
+          </a:p>
+        </p:txBody>
+      </p:sp>
+      <p:sp>
+        <p:nvSpPr>
+          <p:cNvPr id="4" name="Slide Number Placeholder 3"/>
+          <p:cNvSpPr>
+            <a:spLocks noGrp="1"/>
+          </p:cNvSpPr>
+          <p:nvPr>
+            <p:ph type="sldNum" sz="quarter" idx="5"/>
+          </p:nvPr>
+        </p:nvSpPr>
+        <p:spPr/>
+        <p:txBody>
+          <a:bodyPr/>
+          <a:lstStyle/>
+          <a:p>
+            <a:fld id="{1953AF5B-F3A6-48BF-9D5A-53DBBACACE09}" type="slidenum">
+              <a:rPr lang="he-IL" smtClean="0"/>
+              <a:t>6</a:t>
+            </a:fld>
+            <a:endParaRPr lang="he-IL"/>
+          </a:p>
+        </p:txBody>
+      </p:sp>
+    </p:spTree>
+    <p:extLst>
+      <p:ext uri="{BB962C8B-B14F-4D97-AF65-F5344CB8AC3E}">
+        <p14:creationId xmlns:p14="http://schemas.microsoft.com/office/powerpoint/2010/main" val="620845345"/>
+      </p:ext>
+    </p:extLst>
+  </p:cSld>
+  <p:clrMapOvr>
+    <a:masterClrMapping/>
+  </p:clrMapOvr>
+</p:notes>
+</file>
+
+<file path=ppt/notesSlides/notesSlide6.xml><?xml version="1.0" encoding="utf-8"?>
+<p:notes xmlns:a="http://schemas.openxmlformats.org/drawingml/2006/main" xmlns:r="http://schemas.openxmlformats.org/officeDocument/2006/relationships" xmlns:p="http://schemas.openxmlformats.org/presentationml/2006/main">
+  <p:cSld>
+    <p:spTree>
+      <p:nvGrpSpPr>
+        <p:cNvPr id="1" name=""/>
+        <p:cNvGrpSpPr/>
+        <p:nvPr/>
+      </p:nvGrpSpPr>
+      <p:grpSpPr>
+        <a:xfrm>
+          <a:off x="0" y="0"/>
+          <a:ext cx="0" cy="0"/>
+          <a:chOff x="0" y="0"/>
+          <a:chExt cx="0" cy="0"/>
+        </a:xfrm>
+      </p:grpSpPr>
+      <p:sp>
+        <p:nvSpPr>
+          <p:cNvPr id="2" name="Slide Image Placeholder 1"/>
+          <p:cNvSpPr>
+            <a:spLocks noGrp="1" noRot="1" noChangeAspect="1"/>
+          </p:cNvSpPr>
+          <p:nvPr>
+            <p:ph type="sldImg"/>
+          </p:nvPr>
+        </p:nvSpPr>
+        <p:spPr/>
+      </p:sp>
+      <p:sp>
+        <p:nvSpPr>
+          <p:cNvPr id="3" name="Notes Placeholder 2"/>
+          <p:cNvSpPr>
+            <a:spLocks noGrp="1"/>
+          </p:cNvSpPr>
+          <p:nvPr>
+            <p:ph type="body" idx="1"/>
+          </p:nvPr>
+        </p:nvSpPr>
+        <p:spPr/>
+        <p:txBody>
+          <a:bodyPr/>
+          <a:lstStyle/>
+          <a:p>
+            <a:pPr algn="r" rtl="1"/>
+            <a:r>
+              <a:rPr lang="he-IL" dirty="0"/>
+              <a:t>מה מעניין לראות בפלוט:</a:t>
+            </a:r>
+          </a:p>
+          <a:p>
+            <a:pPr marL="228600" indent="-228600" algn="r" rtl="1">
+              <a:buAutoNum type="arabicPeriod"/>
+            </a:pPr>
+            <a:r>
+              <a:rPr lang="he-IL" dirty="0"/>
+              <a:t>כשיש יום אחד / שניים של מרווח</a:t>
+            </a:r>
+          </a:p>
+          <a:p>
+            <a:pPr marL="228600" indent="-228600" algn="r" rtl="1">
+              <a:buAutoNum type="arabicPeriod"/>
+            </a:pPr>
+            <a:r>
+              <a:rPr lang="he-IL" dirty="0"/>
+              <a:t>כשיש מעל 180 ימים</a:t>
+            </a:r>
+            <a:endParaRPr lang="en-IL" dirty="0"/>
+          </a:p>
+        </p:txBody>
+      </p:sp>
+      <p:sp>
+        <p:nvSpPr>
+          <p:cNvPr id="4" name="Slide Number Placeholder 3"/>
+          <p:cNvSpPr>
+            <a:spLocks noGrp="1"/>
+          </p:cNvSpPr>
+          <p:nvPr>
+            <p:ph type="sldNum" sz="quarter" idx="5"/>
+          </p:nvPr>
+        </p:nvSpPr>
+        <p:spPr/>
+        <p:txBody>
+          <a:bodyPr/>
+          <a:lstStyle/>
+          <a:p>
+            <a:fld id="{1953AF5B-F3A6-48BF-9D5A-53DBBACACE09}" type="slidenum">
+              <a:rPr lang="he-IL" smtClean="0"/>
+              <a:t>7</a:t>
+            </a:fld>
+            <a:endParaRPr lang="he-IL"/>
+          </a:p>
+        </p:txBody>
+      </p:sp>
+    </p:spTree>
+    <p:extLst>
+      <p:ext uri="{BB962C8B-B14F-4D97-AF65-F5344CB8AC3E}">
+        <p14:creationId xmlns:p14="http://schemas.microsoft.com/office/powerpoint/2010/main" val="1062086915"/>
+      </p:ext>
+    </p:extLst>
+  </p:cSld>
+  <p:clrMapOvr>
+    <a:masterClrMapping/>
+  </p:clrMapOvr>
+</p:notes>
+</file>
+
+<file path=ppt/notesSlides/notesSlide7.xml><?xml version="1.0" encoding="utf-8"?>
+<p:notes xmlns:a="http://schemas.openxmlformats.org/drawingml/2006/main" xmlns:r="http://schemas.openxmlformats.org/officeDocument/2006/relationships" xmlns:p="http://schemas.openxmlformats.org/presentationml/2006/main">
+  <p:cSld>
+    <p:spTree>
+      <p:nvGrpSpPr>
+        <p:cNvPr id="1" name=""/>
+        <p:cNvGrpSpPr/>
+        <p:nvPr/>
+      </p:nvGrpSpPr>
+      <p:grpSpPr>
+        <a:xfrm>
+          <a:off x="0" y="0"/>
+          <a:ext cx="0" cy="0"/>
+          <a:chOff x="0" y="0"/>
+          <a:chExt cx="0" cy="0"/>
+        </a:xfrm>
+      </p:grpSpPr>
+      <p:sp>
+        <p:nvSpPr>
+          <p:cNvPr id="2" name="Slide Image Placeholder 1"/>
+          <p:cNvSpPr>
+            <a:spLocks noGrp="1" noRot="1" noChangeAspect="1"/>
+          </p:cNvSpPr>
+          <p:nvPr>
+            <p:ph type="sldImg"/>
+          </p:nvPr>
+        </p:nvSpPr>
+        <p:spPr/>
+      </p:sp>
+      <p:sp>
+        <p:nvSpPr>
+          <p:cNvPr id="3" name="Notes Placeholder 2"/>
+          <p:cNvSpPr>
+            <a:spLocks noGrp="1"/>
+          </p:cNvSpPr>
+          <p:nvPr>
+            <p:ph type="body" idx="1"/>
+          </p:nvPr>
+        </p:nvSpPr>
+        <p:spPr/>
+        <p:txBody>
+          <a:bodyPr/>
+          <a:lstStyle/>
+          <a:p>
+            <a:endParaRPr lang="en-IL" dirty="0"/>
+          </a:p>
+        </p:txBody>
+      </p:sp>
+      <p:sp>
+        <p:nvSpPr>
+          <p:cNvPr id="4" name="Slide Number Placeholder 3"/>
+          <p:cNvSpPr>
+            <a:spLocks noGrp="1"/>
+          </p:cNvSpPr>
+          <p:nvPr>
+            <p:ph type="sldNum" sz="quarter" idx="5"/>
+          </p:nvPr>
+        </p:nvSpPr>
+        <p:spPr/>
+        <p:txBody>
+          <a:bodyPr/>
+          <a:lstStyle/>
+          <a:p>
+            <a:fld id="{1953AF5B-F3A6-48BF-9D5A-53DBBACACE09}" type="slidenum">
+              <a:rPr lang="he-IL" smtClean="0"/>
+              <a:t>10</a:t>
+            </a:fld>
+            <a:endParaRPr lang="he-IL"/>
+          </a:p>
+        </p:txBody>
+      </p:sp>
+    </p:spTree>
+    <p:extLst>
+      <p:ext uri="{BB962C8B-B14F-4D97-AF65-F5344CB8AC3E}">
+        <p14:creationId xmlns:p14="http://schemas.microsoft.com/office/powerpoint/2010/main" val="2663775970"/>
+      </p:ext>
+    </p:extLst>
+  </p:cSld>
+  <p:clrMapOvr>
+    <a:masterClrMapping/>
+  </p:clrMapOvr>
+</p:notes>
+</file>
+
+<file path=ppt/notesSlides/notesSlide8.xml><?xml version="1.0" encoding="utf-8"?>
+<p:notes xmlns:a="http://schemas.openxmlformats.org/drawingml/2006/main" xmlns:r="http://schemas.openxmlformats.org/officeDocument/2006/relationships" xmlns:p="http://schemas.openxmlformats.org/presentationml/2006/main">
+  <p:cSld>
+    <p:spTree>
+      <p:nvGrpSpPr>
+        <p:cNvPr id="1" name=""/>
+        <p:cNvGrpSpPr/>
+        <p:nvPr/>
+      </p:nvGrpSpPr>
+      <p:grpSpPr>
+        <a:xfrm>
+          <a:off x="0" y="0"/>
+          <a:ext cx="0" cy="0"/>
+          <a:chOff x="0" y="0"/>
+          <a:chExt cx="0" cy="0"/>
+        </a:xfrm>
+      </p:grpSpPr>
+      <p:sp>
+        <p:nvSpPr>
+          <p:cNvPr id="2" name="Slide Image Placeholder 1"/>
+          <p:cNvSpPr>
+            <a:spLocks noGrp="1" noRot="1" noChangeAspect="1"/>
+          </p:cNvSpPr>
+          <p:nvPr>
+            <p:ph type="sldImg"/>
+          </p:nvPr>
+        </p:nvSpPr>
+        <p:spPr/>
+      </p:sp>
+      <p:sp>
+        <p:nvSpPr>
+          <p:cNvPr id="3" name="Notes Placeholder 2"/>
+          <p:cNvSpPr>
+            <a:spLocks noGrp="1"/>
+          </p:cNvSpPr>
+          <p:nvPr>
+            <p:ph type="body" idx="1"/>
+          </p:nvPr>
+        </p:nvSpPr>
+        <p:spPr/>
+        <p:txBody>
+          <a:bodyPr/>
+          <a:lstStyle/>
+          <a:p>
+            <a:endParaRPr lang="en-IL" dirty="0"/>
+          </a:p>
+        </p:txBody>
+      </p:sp>
+      <p:sp>
+        <p:nvSpPr>
+          <p:cNvPr id="4" name="Slide Number Placeholder 3"/>
+          <p:cNvSpPr>
+            <a:spLocks noGrp="1"/>
+          </p:cNvSpPr>
+          <p:nvPr>
+            <p:ph type="sldNum" sz="quarter" idx="5"/>
+          </p:nvPr>
+        </p:nvSpPr>
+        <p:spPr/>
+        <p:txBody>
+          <a:bodyPr/>
+          <a:lstStyle/>
+          <a:p>
+            <a:fld id="{1953AF5B-F3A6-48BF-9D5A-53DBBACACE09}" type="slidenum">
+              <a:rPr lang="he-IL" smtClean="0"/>
+              <a:t>12</a:t>
+            </a:fld>
+            <a:endParaRPr lang="he-IL"/>
+          </a:p>
+        </p:txBody>
+      </p:sp>
+    </p:spTree>
+    <p:extLst>
+      <p:ext uri="{BB962C8B-B14F-4D97-AF65-F5344CB8AC3E}">
+        <p14:creationId xmlns:p14="http://schemas.microsoft.com/office/powerpoint/2010/main" val="1405160873"/>
       </p:ext>
     </p:extLst>
   </p:cSld>
@@ -699,7 +1799,7 @@
           <a:p>
             <a:fld id="{BD9CB361-BAEB-499F-9012-48A2D14050D0}" type="datetimeFigureOut">
               <a:rPr lang="he-IL" smtClean="0"/>
-              <a:t>כ"ז/סיון/תשפ"ד</a:t>
+              <a:t>ט'/תמוז/תשפ"ד</a:t>
             </a:fld>
             <a:endParaRPr lang="he-IL"/>
           </a:p>
@@ -899,7 +1999,7 @@
           <a:p>
             <a:fld id="{BD9CB361-BAEB-499F-9012-48A2D14050D0}" type="datetimeFigureOut">
               <a:rPr lang="he-IL" smtClean="0"/>
-              <a:t>כ"ז/סיון/תשפ"ד</a:t>
+              <a:t>ט'/תמוז/תשפ"ד</a:t>
             </a:fld>
             <a:endParaRPr lang="he-IL"/>
           </a:p>
@@ -1109,7 +2209,7 @@
           <a:p>
             <a:fld id="{BD9CB361-BAEB-499F-9012-48A2D14050D0}" type="datetimeFigureOut">
               <a:rPr lang="he-IL" smtClean="0"/>
-              <a:t>כ"ז/סיון/תשפ"ד</a:t>
+              <a:t>ט'/תמוז/תשפ"ד</a:t>
             </a:fld>
             <a:endParaRPr lang="he-IL"/>
           </a:p>
@@ -1309,7 +2409,7 @@
           <a:p>
             <a:fld id="{BD9CB361-BAEB-499F-9012-48A2D14050D0}" type="datetimeFigureOut">
               <a:rPr lang="he-IL" smtClean="0"/>
-              <a:t>כ"ז/סיון/תשפ"ד</a:t>
+              <a:t>ט'/תמוז/תשפ"ד</a:t>
             </a:fld>
             <a:endParaRPr lang="he-IL"/>
           </a:p>
@@ -1585,7 +2685,7 @@
           <a:p>
             <a:fld id="{BD9CB361-BAEB-499F-9012-48A2D14050D0}" type="datetimeFigureOut">
               <a:rPr lang="he-IL" smtClean="0"/>
-              <a:t>כ"ז/סיון/תשפ"ד</a:t>
+              <a:t>ט'/תמוז/תשפ"ד</a:t>
             </a:fld>
             <a:endParaRPr lang="he-IL"/>
           </a:p>
@@ -1853,7 +2953,7 @@
           <a:p>
             <a:fld id="{BD9CB361-BAEB-499F-9012-48A2D14050D0}" type="datetimeFigureOut">
               <a:rPr lang="he-IL" smtClean="0"/>
-              <a:t>כ"ז/סיון/תשפ"ד</a:t>
+              <a:t>ט'/תמוז/תשפ"ד</a:t>
             </a:fld>
             <a:endParaRPr lang="he-IL"/>
           </a:p>
@@ -2268,7 +3368,7 @@
           <a:p>
             <a:fld id="{BD9CB361-BAEB-499F-9012-48A2D14050D0}" type="datetimeFigureOut">
               <a:rPr lang="he-IL" smtClean="0"/>
-              <a:t>כ"ז/סיון/תשפ"ד</a:t>
+              <a:t>ט'/תמוז/תשפ"ד</a:t>
             </a:fld>
             <a:endParaRPr lang="he-IL"/>
           </a:p>
@@ -2410,7 +3510,7 @@
           <a:p>
             <a:fld id="{BD9CB361-BAEB-499F-9012-48A2D14050D0}" type="datetimeFigureOut">
               <a:rPr lang="he-IL" smtClean="0"/>
-              <a:t>כ"ז/סיון/תשפ"ד</a:t>
+              <a:t>ט'/תמוז/תשפ"ד</a:t>
             </a:fld>
             <a:endParaRPr lang="he-IL"/>
           </a:p>
@@ -2523,7 +3623,7 @@
           <a:p>
             <a:fld id="{BD9CB361-BAEB-499F-9012-48A2D14050D0}" type="datetimeFigureOut">
               <a:rPr lang="he-IL" smtClean="0"/>
-              <a:t>כ"ז/סיון/תשפ"ד</a:t>
+              <a:t>ט'/תמוז/תשפ"ד</a:t>
             </a:fld>
             <a:endParaRPr lang="he-IL"/>
           </a:p>
@@ -2836,7 +3936,7 @@
           <a:p>
             <a:fld id="{BD9CB361-BAEB-499F-9012-48A2D14050D0}" type="datetimeFigureOut">
               <a:rPr lang="he-IL" smtClean="0"/>
-              <a:t>כ"ז/סיון/תשפ"ד</a:t>
+              <a:t>ט'/תמוז/תשפ"ד</a:t>
             </a:fld>
             <a:endParaRPr lang="he-IL"/>
           </a:p>
@@ -3125,7 +4225,7 @@
           <a:p>
             <a:fld id="{BD9CB361-BAEB-499F-9012-48A2D14050D0}" type="datetimeFigureOut">
               <a:rPr lang="he-IL" smtClean="0"/>
-              <a:t>כ"ז/סיון/תשפ"ד</a:t>
+              <a:t>ט'/תמוז/תשפ"ד</a:t>
             </a:fld>
             <a:endParaRPr lang="he-IL"/>
           </a:p>
@@ -3368,7 +4468,7 @@
           <a:p>
             <a:fld id="{BD9CB361-BAEB-499F-9012-48A2D14050D0}" type="datetimeFigureOut">
               <a:rPr lang="he-IL" smtClean="0"/>
-              <a:t>כ"ז/סיון/תשפ"ד</a:t>
+              <a:t>ט'/תמוז/תשפ"ד</a:t>
             </a:fld>
             <a:endParaRPr lang="he-IL"/>
           </a:p>
@@ -4074,6 +5174,439 @@
 </p:sld>
 </file>
 
+<file path=ppt/slides/slide10.xml><?xml version="1.0" encoding="utf-8"?>
+<p:sld xmlns:a="http://schemas.openxmlformats.org/drawingml/2006/main" xmlns:r="http://schemas.openxmlformats.org/officeDocument/2006/relationships" xmlns:p="http://schemas.openxmlformats.org/presentationml/2006/main">
+  <p:cSld>
+    <p:spTree>
+      <p:nvGrpSpPr>
+        <p:cNvPr id="1" name=""/>
+        <p:cNvGrpSpPr/>
+        <p:nvPr/>
+      </p:nvGrpSpPr>
+      <p:grpSpPr>
+        <a:xfrm>
+          <a:off x="0" y="0"/>
+          <a:ext cx="0" cy="0"/>
+          <a:chOff x="0" y="0"/>
+          <a:chExt cx="0" cy="0"/>
+        </a:xfrm>
+      </p:grpSpPr>
+      <p:sp>
+        <p:nvSpPr>
+          <p:cNvPr id="2" name="Title 1">
+            <a:extLst>
+              <a:ext uri="{FF2B5EF4-FFF2-40B4-BE49-F238E27FC236}">
+                <a16:creationId xmlns:a16="http://schemas.microsoft.com/office/drawing/2014/main" id="{02AAE44B-5DE0-2FB7-5897-E3C0D01E9821}"/>
+              </a:ext>
+            </a:extLst>
+          </p:cNvPr>
+          <p:cNvSpPr>
+            <a:spLocks noGrp="1"/>
+          </p:cNvSpPr>
+          <p:nvPr>
+            <p:ph type="title"/>
+          </p:nvPr>
+        </p:nvSpPr>
+        <p:spPr/>
+        <p:txBody>
+          <a:bodyPr/>
+          <a:lstStyle/>
+          <a:p>
+            <a:r>
+              <a:rPr lang="en-US" dirty="0"/>
+              <a:t>Wet season Vs Dry season</a:t>
+            </a:r>
+            <a:br>
+              <a:rPr lang="en-US" dirty="0"/>
+            </a:br>
+            <a:r>
+              <a:rPr lang="en-US" dirty="0"/>
+              <a:t>Is there really a difference?</a:t>
+            </a:r>
+            <a:endParaRPr lang="he-IL" dirty="0"/>
+          </a:p>
+        </p:txBody>
+      </p:sp>
+      <p:pic>
+        <p:nvPicPr>
+          <p:cNvPr id="5" name="Content Placeholder 4">
+            <a:extLst>
+              <a:ext uri="{FF2B5EF4-FFF2-40B4-BE49-F238E27FC236}">
+                <a16:creationId xmlns:a16="http://schemas.microsoft.com/office/drawing/2014/main" id="{2AB408CF-476A-D1E8-F0B6-00EEF2BA1551}"/>
+              </a:ext>
+            </a:extLst>
+          </p:cNvPr>
+          <p:cNvPicPr>
+            <a:picLocks noGrp="1" noChangeAspect="1"/>
+          </p:cNvPicPr>
+          <p:nvPr>
+            <p:ph idx="1"/>
+          </p:nvPr>
+        </p:nvPicPr>
+        <p:blipFill>
+          <a:blip r:embed="rId3"/>
+          <a:stretch>
+            <a:fillRect/>
+          </a:stretch>
+        </p:blipFill>
+        <p:spPr>
+          <a:xfrm>
+            <a:off x="1893302" y="1821976"/>
+            <a:ext cx="8405396" cy="4832659"/>
+          </a:xfrm>
+        </p:spPr>
+      </p:pic>
+      <mc:AlternateContent xmlns:mc="http://schemas.openxmlformats.org/markup-compatibility/2006">
+        <mc:Choice xmlns:p14="http://schemas.microsoft.com/office/powerpoint/2010/main" Requires="p14">
+          <p:contentPart p14:bwMode="auto" r:id="rId4">
+            <p14:nvContentPartPr>
+              <p14:cNvPr id="7" name="Ink 6">
+                <a:extLst>
+                  <a:ext uri="{FF2B5EF4-FFF2-40B4-BE49-F238E27FC236}">
+                    <a16:creationId xmlns:a16="http://schemas.microsoft.com/office/drawing/2014/main" id="{E48BD0B8-AC3E-D56D-E9E0-FF77175D96DC}"/>
+                  </a:ext>
+                </a:extLst>
+              </p14:cNvPr>
+              <p14:cNvContentPartPr/>
+              <p14:nvPr/>
+            </p14:nvContentPartPr>
+            <p14:xfrm>
+              <a:off x="4667701" y="6229698"/>
+              <a:ext cx="1682640" cy="55440"/>
+            </p14:xfrm>
+          </p:contentPart>
+        </mc:Choice>
+        <mc:Fallback>
+          <p:pic>
+            <p:nvPicPr>
+              <p:cNvPr id="7" name="Ink 6">
+                <a:extLst>
+                  <a:ext uri="{FF2B5EF4-FFF2-40B4-BE49-F238E27FC236}">
+                    <a16:creationId xmlns:a16="http://schemas.microsoft.com/office/drawing/2014/main" id="{E48BD0B8-AC3E-D56D-E9E0-FF77175D96DC}"/>
+                  </a:ext>
+                </a:extLst>
+              </p:cNvPr>
+              <p:cNvPicPr/>
+              <p:nvPr/>
+            </p:nvPicPr>
+            <p:blipFill>
+              <a:blip r:embed="rId5"/>
+              <a:stretch>
+                <a:fillRect/>
+              </a:stretch>
+            </p:blipFill>
+            <p:spPr>
+              <a:xfrm>
+                <a:off x="4613701" y="6121698"/>
+                <a:ext cx="1790280" cy="271080"/>
+              </a:xfrm>
+              <a:prstGeom prst="rect">
+                <a:avLst/>
+              </a:prstGeom>
+            </p:spPr>
+          </p:pic>
+        </mc:Fallback>
+      </mc:AlternateContent>
+    </p:spTree>
+    <p:extLst>
+      <p:ext uri="{BB962C8B-B14F-4D97-AF65-F5344CB8AC3E}">
+        <p14:creationId xmlns:p14="http://schemas.microsoft.com/office/powerpoint/2010/main" val="818699057"/>
+      </p:ext>
+    </p:extLst>
+  </p:cSld>
+  <p:clrMapOvr>
+    <a:masterClrMapping/>
+  </p:clrMapOvr>
+</p:sld>
+</file>
+
+<file path=ppt/slides/slide11.xml><?xml version="1.0" encoding="utf-8"?>
+<p:sld xmlns:a="http://schemas.openxmlformats.org/drawingml/2006/main" xmlns:r="http://schemas.openxmlformats.org/officeDocument/2006/relationships" xmlns:p="http://schemas.openxmlformats.org/presentationml/2006/main">
+  <p:cSld>
+    <p:spTree>
+      <p:nvGrpSpPr>
+        <p:cNvPr id="1" name=""/>
+        <p:cNvGrpSpPr/>
+        <p:nvPr/>
+      </p:nvGrpSpPr>
+      <p:grpSpPr>
+        <a:xfrm>
+          <a:off x="0" y="0"/>
+          <a:ext cx="0" cy="0"/>
+          <a:chOff x="0" y="0"/>
+          <a:chExt cx="0" cy="0"/>
+        </a:xfrm>
+      </p:grpSpPr>
+      <p:sp>
+        <p:nvSpPr>
+          <p:cNvPr id="2" name="Title 1">
+            <a:extLst>
+              <a:ext uri="{FF2B5EF4-FFF2-40B4-BE49-F238E27FC236}">
+                <a16:creationId xmlns:a16="http://schemas.microsoft.com/office/drawing/2014/main" id="{02AAE44B-5DE0-2FB7-5897-E3C0D01E9821}"/>
+              </a:ext>
+            </a:extLst>
+          </p:cNvPr>
+          <p:cNvSpPr>
+            <a:spLocks noGrp="1"/>
+          </p:cNvSpPr>
+          <p:nvPr>
+            <p:ph type="title"/>
+          </p:nvPr>
+        </p:nvSpPr>
+        <p:spPr/>
+        <p:txBody>
+          <a:bodyPr/>
+          <a:lstStyle/>
+          <a:p>
+            <a:r>
+              <a:rPr lang="en-US" b="1" dirty="0"/>
+              <a:t>Men Are from Mars, Women Are from Venus</a:t>
+            </a:r>
+            <a:br>
+              <a:rPr lang="he-IL" dirty="0"/>
+            </a:br>
+            <a:r>
+              <a:rPr lang="en-US" dirty="0"/>
+              <a:t>Female Vs Male – how different are they?</a:t>
+            </a:r>
+            <a:endParaRPr lang="he-IL" dirty="0"/>
+          </a:p>
+        </p:txBody>
+      </p:sp>
+      <p:pic>
+        <p:nvPicPr>
+          <p:cNvPr id="9" name="Content Placeholder 4">
+            <a:hlinkClick r:id="rId2" action="ppaction://hlinkfile"/>
+            <a:extLst>
+              <a:ext uri="{FF2B5EF4-FFF2-40B4-BE49-F238E27FC236}">
+                <a16:creationId xmlns:a16="http://schemas.microsoft.com/office/drawing/2014/main" id="{679954D0-0753-1FDD-018E-F42FBA2EFBDF}"/>
+              </a:ext>
+            </a:extLst>
+          </p:cNvPr>
+          <p:cNvPicPr>
+            <a:picLocks noGrp="1" noChangeAspect="1"/>
+          </p:cNvPicPr>
+          <p:nvPr>
+            <p:ph idx="1"/>
+          </p:nvPr>
+        </p:nvPicPr>
+        <p:blipFill>
+          <a:blip r:embed="rId3"/>
+          <a:stretch>
+            <a:fillRect/>
+          </a:stretch>
+        </p:blipFill>
+        <p:spPr>
+          <a:xfrm>
+            <a:off x="1878910" y="1825625"/>
+            <a:ext cx="8434180" cy="4351338"/>
+          </a:xfrm>
+        </p:spPr>
+      </p:pic>
+    </p:spTree>
+    <p:extLst>
+      <p:ext uri="{BB962C8B-B14F-4D97-AF65-F5344CB8AC3E}">
+        <p14:creationId xmlns:p14="http://schemas.microsoft.com/office/powerpoint/2010/main" val="613651190"/>
+      </p:ext>
+    </p:extLst>
+  </p:cSld>
+  <p:clrMapOvr>
+    <a:masterClrMapping/>
+  </p:clrMapOvr>
+</p:sld>
+</file>
+
+<file path=ppt/slides/slide12.xml><?xml version="1.0" encoding="utf-8"?>
+<p:sld xmlns:a="http://schemas.openxmlformats.org/drawingml/2006/main" xmlns:r="http://schemas.openxmlformats.org/officeDocument/2006/relationships" xmlns:p="http://schemas.openxmlformats.org/presentationml/2006/main">
+  <p:cSld>
+    <p:spTree>
+      <p:nvGrpSpPr>
+        <p:cNvPr id="1" name=""/>
+        <p:cNvGrpSpPr/>
+        <p:nvPr/>
+      </p:nvGrpSpPr>
+      <p:grpSpPr>
+        <a:xfrm>
+          <a:off x="0" y="0"/>
+          <a:ext cx="0" cy="0"/>
+          <a:chOff x="0" y="0"/>
+          <a:chExt cx="0" cy="0"/>
+        </a:xfrm>
+      </p:grpSpPr>
+      <p:sp>
+        <p:nvSpPr>
+          <p:cNvPr id="2" name="Title 1">
+            <a:extLst>
+              <a:ext uri="{FF2B5EF4-FFF2-40B4-BE49-F238E27FC236}">
+                <a16:creationId xmlns:a16="http://schemas.microsoft.com/office/drawing/2014/main" id="{76F344D6-0FA6-5750-67A2-AEC16651683D}"/>
+              </a:ext>
+            </a:extLst>
+          </p:cNvPr>
+          <p:cNvSpPr>
+            <a:spLocks noGrp="1"/>
+          </p:cNvSpPr>
+          <p:nvPr>
+            <p:ph type="title"/>
+          </p:nvPr>
+        </p:nvSpPr>
+        <p:spPr/>
+        <p:txBody>
+          <a:bodyPr/>
+          <a:lstStyle/>
+          <a:p>
+            <a:r>
+              <a:rPr lang="en-US" dirty="0"/>
+              <a:t>Connection between baboons</a:t>
+            </a:r>
+            <a:br>
+              <a:rPr lang="en-US" dirty="0"/>
+            </a:br>
+            <a:r>
+              <a:rPr lang="en-US" dirty="0"/>
+              <a:t>clustering the data using k-means</a:t>
+            </a:r>
+            <a:endParaRPr lang="en-IL" dirty="0"/>
+          </a:p>
+        </p:txBody>
+      </p:sp>
+      <p:pic>
+        <p:nvPicPr>
+          <p:cNvPr id="8" name="Picture 7">
+            <a:hlinkClick r:id="rId3" action="ppaction://hlinkfile"/>
+            <a:extLst>
+              <a:ext uri="{FF2B5EF4-FFF2-40B4-BE49-F238E27FC236}">
+                <a16:creationId xmlns:a16="http://schemas.microsoft.com/office/drawing/2014/main" id="{6F75F96B-9B50-F89D-6E52-B4F583577DF3}"/>
+              </a:ext>
+            </a:extLst>
+          </p:cNvPr>
+          <p:cNvPicPr>
+            <a:picLocks noChangeAspect="1"/>
+          </p:cNvPicPr>
+          <p:nvPr/>
+        </p:nvPicPr>
+        <p:blipFill>
+          <a:blip r:embed="rId4"/>
+          <a:stretch>
+            <a:fillRect/>
+          </a:stretch>
+        </p:blipFill>
+        <p:spPr>
+          <a:xfrm>
+            <a:off x="1446664" y="1690688"/>
+            <a:ext cx="9567080" cy="5113935"/>
+          </a:xfrm>
+          <a:prstGeom prst="rect">
+            <a:avLst/>
+          </a:prstGeom>
+        </p:spPr>
+      </p:pic>
+    </p:spTree>
+    <p:extLst>
+      <p:ext uri="{BB962C8B-B14F-4D97-AF65-F5344CB8AC3E}">
+        <p14:creationId xmlns:p14="http://schemas.microsoft.com/office/powerpoint/2010/main" val="2730952021"/>
+      </p:ext>
+    </p:extLst>
+  </p:cSld>
+  <p:clrMapOvr>
+    <a:masterClrMapping/>
+  </p:clrMapOvr>
+</p:sld>
+</file>
+
+<file path=ppt/slides/slide13.xml><?xml version="1.0" encoding="utf-8"?>
+<p:sld xmlns:a="http://schemas.openxmlformats.org/drawingml/2006/main" xmlns:r="http://schemas.openxmlformats.org/officeDocument/2006/relationships" xmlns:p="http://schemas.openxmlformats.org/presentationml/2006/main">
+  <p:cSld>
+    <p:spTree>
+      <p:nvGrpSpPr>
+        <p:cNvPr id="1" name=""/>
+        <p:cNvGrpSpPr/>
+        <p:nvPr/>
+      </p:nvGrpSpPr>
+      <p:grpSpPr>
+        <a:xfrm>
+          <a:off x="0" y="0"/>
+          <a:ext cx="0" cy="0"/>
+          <a:chOff x="0" y="0"/>
+          <a:chExt cx="0" cy="0"/>
+        </a:xfrm>
+      </p:grpSpPr>
+      <p:sp>
+        <p:nvSpPr>
+          <p:cNvPr id="2" name="Title 1">
+            <a:extLst>
+              <a:ext uri="{FF2B5EF4-FFF2-40B4-BE49-F238E27FC236}">
+                <a16:creationId xmlns:a16="http://schemas.microsoft.com/office/drawing/2014/main" id="{55403ECA-0A29-9E81-7DA7-8940F1DB6AFA}"/>
+              </a:ext>
+            </a:extLst>
+          </p:cNvPr>
+          <p:cNvSpPr>
+            <a:spLocks noGrp="1"/>
+          </p:cNvSpPr>
+          <p:nvPr>
+            <p:ph type="title"/>
+          </p:nvPr>
+        </p:nvSpPr>
+        <p:spPr/>
+        <p:txBody>
+          <a:bodyPr/>
+          <a:lstStyle/>
+          <a:p>
+            <a:r>
+              <a:rPr lang="en-US" dirty="0"/>
+              <a:t>Next steps</a:t>
+            </a:r>
+            <a:endParaRPr lang="en-IL" dirty="0"/>
+          </a:p>
+        </p:txBody>
+      </p:sp>
+      <p:pic>
+        <p:nvPicPr>
+          <p:cNvPr id="5" name="Content Placeholder 4">
+            <a:extLst>
+              <a:ext uri="{FF2B5EF4-FFF2-40B4-BE49-F238E27FC236}">
+                <a16:creationId xmlns:a16="http://schemas.microsoft.com/office/drawing/2014/main" id="{EDCD334B-40F5-AA3E-4070-B28ABB863399}"/>
+              </a:ext>
+            </a:extLst>
+          </p:cNvPr>
+          <p:cNvPicPr>
+            <a:picLocks noGrp="1" noChangeAspect="1"/>
+          </p:cNvPicPr>
+          <p:nvPr>
+            <p:ph idx="1"/>
+          </p:nvPr>
+        </p:nvPicPr>
+        <p:blipFill>
+          <a:blip r:embed="rId2">
+            <a:extLst>
+              <a:ext uri="{28A0092B-C50C-407E-A947-70E740481C1C}">
+                <a14:useLocalDpi xmlns:a14="http://schemas.microsoft.com/office/drawing/2010/main" val="0"/>
+              </a:ext>
+            </a:extLst>
+          </a:blip>
+          <a:stretch>
+            <a:fillRect/>
+          </a:stretch>
+        </p:blipFill>
+        <p:spPr>
+          <a:xfrm>
+            <a:off x="6994981" y="1287549"/>
+            <a:ext cx="4847780" cy="4847780"/>
+          </a:xfrm>
+        </p:spPr>
+      </p:pic>
+    </p:spTree>
+    <p:extLst>
+      <p:ext uri="{BB962C8B-B14F-4D97-AF65-F5344CB8AC3E}">
+        <p14:creationId xmlns:p14="http://schemas.microsoft.com/office/powerpoint/2010/main" val="1642786362"/>
+      </p:ext>
+    </p:extLst>
+  </p:cSld>
+  <p:clrMapOvr>
+    <a:masterClrMapping/>
+  </p:clrMapOvr>
+</p:sld>
+</file>
+
 <file path=ppt/slides/slide2.xml><?xml version="1.0" encoding="utf-8"?>
 <p:sld xmlns:a="http://schemas.openxmlformats.org/drawingml/2006/main" xmlns:r="http://schemas.openxmlformats.org/officeDocument/2006/relationships" xmlns:p="http://schemas.openxmlformats.org/presentationml/2006/main">
   <p:cSld>
@@ -4096,6 +5629,104 @@
           <p:cNvPr id="2" name="Title 1">
             <a:extLst>
               <a:ext uri="{FF2B5EF4-FFF2-40B4-BE49-F238E27FC236}">
+                <a16:creationId xmlns:a16="http://schemas.microsoft.com/office/drawing/2014/main" id="{FE0DFFEA-3AE3-CB1C-CD13-09CC40A0C1D8}"/>
+              </a:ext>
+            </a:extLst>
+          </p:cNvPr>
+          <p:cNvSpPr>
+            <a:spLocks noGrp="1"/>
+          </p:cNvSpPr>
+          <p:nvPr>
+            <p:ph type="title"/>
+          </p:nvPr>
+        </p:nvSpPr>
+        <p:spPr/>
+        <p:txBody>
+          <a:bodyPr/>
+          <a:lstStyle/>
+          <a:p>
+            <a:endParaRPr lang="en-IL" dirty="0"/>
+          </a:p>
+        </p:txBody>
+      </p:sp>
+      <p:sp>
+        <p:nvSpPr>
+          <p:cNvPr id="3" name="Content Placeholder 2">
+            <a:extLst>
+              <a:ext uri="{FF2B5EF4-FFF2-40B4-BE49-F238E27FC236}">
+                <a16:creationId xmlns:a16="http://schemas.microsoft.com/office/drawing/2014/main" id="{40B5749E-05AA-020E-520F-E0B86B309F2E}"/>
+              </a:ext>
+            </a:extLst>
+          </p:cNvPr>
+          <p:cNvSpPr>
+            <a:spLocks noGrp="1"/>
+          </p:cNvSpPr>
+          <p:nvPr>
+            <p:ph idx="1"/>
+          </p:nvPr>
+        </p:nvSpPr>
+        <p:spPr/>
+        <p:txBody>
+          <a:bodyPr/>
+          <a:lstStyle/>
+          <a:p>
+            <a:r>
+              <a:rPr lang="en-US" dirty="0"/>
+              <a:t>The data – size, features</a:t>
+            </a:r>
+          </a:p>
+          <a:p>
+            <a:r>
+              <a:rPr lang="en-US" dirty="0"/>
+              <a:t>Wet/Dry, Female/Male </a:t>
+            </a:r>
+          </a:p>
+          <a:p>
+            <a:r>
+              <a:rPr lang="en-US" dirty="0"/>
+              <a:t>Problems in the data – large time </a:t>
+            </a:r>
+          </a:p>
+          <a:p>
+            <a:endParaRPr lang="en-IL" dirty="0"/>
+          </a:p>
+        </p:txBody>
+      </p:sp>
+    </p:spTree>
+    <p:extLst>
+      <p:ext uri="{BB962C8B-B14F-4D97-AF65-F5344CB8AC3E}">
+        <p14:creationId xmlns:p14="http://schemas.microsoft.com/office/powerpoint/2010/main" val="2455654958"/>
+      </p:ext>
+    </p:extLst>
+  </p:cSld>
+  <p:clrMapOvr>
+    <a:masterClrMapping/>
+  </p:clrMapOvr>
+</p:sld>
+</file>
+
+<file path=ppt/slides/slide3.xml><?xml version="1.0" encoding="utf-8"?>
+<p:sld xmlns:a="http://schemas.openxmlformats.org/drawingml/2006/main" xmlns:r="http://schemas.openxmlformats.org/officeDocument/2006/relationships" xmlns:p="http://schemas.openxmlformats.org/presentationml/2006/main">
+  <p:cSld>
+    <p:spTree>
+      <p:nvGrpSpPr>
+        <p:cNvPr id="1" name=""/>
+        <p:cNvGrpSpPr/>
+        <p:nvPr/>
+      </p:nvGrpSpPr>
+      <p:grpSpPr>
+        <a:xfrm>
+          <a:off x="0" y="0"/>
+          <a:ext cx="0" cy="0"/>
+          <a:chOff x="0" y="0"/>
+          <a:chExt cx="0" cy="0"/>
+        </a:xfrm>
+      </p:grpSpPr>
+      <p:sp>
+        <p:nvSpPr>
+          <p:cNvPr id="2" name="Title 1">
+            <a:extLst>
+              <a:ext uri="{FF2B5EF4-FFF2-40B4-BE49-F238E27FC236}">
                 <a16:creationId xmlns:a16="http://schemas.microsoft.com/office/drawing/2014/main" id="{EB0876F8-CB13-44A5-D95D-C5534D4BD518}"/>
               </a:ext>
             </a:extLst>
@@ -4148,7 +5779,7 @@
           <a:p>
             <a:r>
               <a:rPr lang="en-US" dirty="0"/>
-              <a:t>We have 6,096 samples taken from 80 baboons - 76.2 samples per baboon on average.</a:t>
+              <a:t>We have 6,096 samples taken from 80 baboons – 76.2 samples per baboon on average.</a:t>
             </a:r>
           </a:p>
           <a:p>
@@ -4157,7 +5788,7 @@
           <a:p>
             <a:r>
               <a:rPr lang="en-US" dirty="0"/>
-              <a:t>Time difference between 2 subsequent samples - </a:t>
+              <a:t>Time difference between 2 subsequent samples – </a:t>
             </a:r>
             <a:r>
               <a:rPr lang="he-IL" dirty="0"/>
@@ -4211,10 +5842,10 @@
       </p:pic>
       <p:pic>
         <p:nvPicPr>
-          <p:cNvPr id="7" name="Picture 6">
-            <a:extLst>
-              <a:ext uri="{FF2B5EF4-FFF2-40B4-BE49-F238E27FC236}">
-                <a16:creationId xmlns:a16="http://schemas.microsoft.com/office/drawing/2014/main" id="{89EA4614-AB61-9EC6-FE5F-A1706BEF83D5}"/>
+          <p:cNvPr id="6" name="Picture 5">
+            <a:extLst>
+              <a:ext uri="{FF2B5EF4-FFF2-40B4-BE49-F238E27FC236}">
+                <a16:creationId xmlns:a16="http://schemas.microsoft.com/office/drawing/2014/main" id="{59159198-A51B-2FBF-688C-81FE7E752C7A}"/>
               </a:ext>
             </a:extLst>
           </p:cNvPr>
@@ -4224,15 +5855,21 @@
           <p:nvPr/>
         </p:nvPicPr>
         <p:blipFill>
-          <a:blip r:embed="rId4"/>
+          <a:blip r:embed="rId4">
+            <a:extLst>
+              <a:ext uri="{28A0092B-C50C-407E-A947-70E740481C1C}">
+                <a14:useLocalDpi xmlns:a14="http://schemas.microsoft.com/office/drawing/2010/main" val="0"/>
+              </a:ext>
+            </a:extLst>
+          </a:blip>
           <a:stretch>
             <a:fillRect/>
           </a:stretch>
         </p:blipFill>
         <p:spPr>
           <a:xfrm>
-            <a:off x="933716" y="3513888"/>
-            <a:ext cx="4360993" cy="3305174"/>
+            <a:off x="838200" y="3552420"/>
+            <a:ext cx="4361529" cy="3305580"/>
           </a:xfrm>
           <a:prstGeom prst="rect">
             <a:avLst/>
@@ -4342,51 +5979,6 @@
                       </p:childTnLst>
                     </p:cTn>
                   </p:par>
-                  <p:par>
-                    <p:cTn id="10" fill="hold">
-                      <p:stCondLst>
-                        <p:cond delay="indefinite"/>
-                      </p:stCondLst>
-                      <p:childTnLst>
-                        <p:par>
-                          <p:cTn id="11" fill="hold">
-                            <p:stCondLst>
-                              <p:cond delay="0"/>
-                            </p:stCondLst>
-                            <p:childTnLst>
-                              <p:par>
-                                <p:cTn id="12" presetID="1" presetClass="entr" presetSubtype="0" fill="hold" nodeType="clickEffect">
-                                  <p:stCondLst>
-                                    <p:cond delay="0"/>
-                                  </p:stCondLst>
-                                  <p:childTnLst>
-                                    <p:set>
-                                      <p:cBhvr>
-                                        <p:cTn id="13" dur="1" fill="hold">
-                                          <p:stCondLst>
-                                            <p:cond delay="0"/>
-                                          </p:stCondLst>
-                                        </p:cTn>
-                                        <p:tgtEl>
-                                          <p:spTgt spid="7"/>
-                                        </p:tgtEl>
-                                        <p:attrNameLst>
-                                          <p:attrName>style.visibility</p:attrName>
-                                        </p:attrNameLst>
-                                      </p:cBhvr>
-                                      <p:to>
-                                        <p:strVal val="visible"/>
-                                      </p:to>
-                                    </p:set>
-                                  </p:childTnLst>
-                                </p:cTn>
-                              </p:par>
-                            </p:childTnLst>
-                          </p:cTn>
-                        </p:par>
-                      </p:childTnLst>
-                    </p:cTn>
-                  </p:par>
                 </p:childTnLst>
               </p:cTn>
               <p:prevCondLst>
@@ -4412,7 +6004,7 @@
 </p:sld>
 </file>
 
-<file path=ppt/slides/slide3.xml><?xml version="1.0" encoding="utf-8"?>
+<file path=ppt/slides/slide4.xml><?xml version="1.0" encoding="utf-8"?>
 <p:sld xmlns:a="http://schemas.openxmlformats.org/drawingml/2006/main" xmlns:r="http://schemas.openxmlformats.org/officeDocument/2006/relationships" xmlns:p="http://schemas.openxmlformats.org/presentationml/2006/main">
   <p:cSld>
     <p:spTree>
@@ -4434,7 +6026,7 @@
           <p:cNvPr id="2" name="Title 1">
             <a:extLst>
               <a:ext uri="{FF2B5EF4-FFF2-40B4-BE49-F238E27FC236}">
-                <a16:creationId xmlns:a16="http://schemas.microsoft.com/office/drawing/2014/main" id="{02AAE44B-5DE0-2FB7-5897-E3C0D01E9821}"/>
+                <a16:creationId xmlns:a16="http://schemas.microsoft.com/office/drawing/2014/main" id="{22AEC167-D29E-AE75-57DA-B7DBA103C59D}"/>
               </a:ext>
             </a:extLst>
           </p:cNvPr>
@@ -4450,42 +6042,693 @@
           <a:bodyPr/>
           <a:lstStyle/>
           <a:p>
-            <a:endParaRPr lang="he-IL" dirty="0"/>
-          </a:p>
-        </p:txBody>
-      </p:sp>
-      <p:sp>
-        <p:nvSpPr>
-          <p:cNvPr id="3" name="Content Placeholder 2">
-            <a:extLst>
-              <a:ext uri="{FF2B5EF4-FFF2-40B4-BE49-F238E27FC236}">
-                <a16:creationId xmlns:a16="http://schemas.microsoft.com/office/drawing/2014/main" id="{20D09F4C-AA7B-619B-CD8A-F8605B061F77}"/>
-              </a:ext>
-            </a:extLst>
-          </p:cNvPr>
-          <p:cNvSpPr>
-            <a:spLocks noGrp="1"/>
-          </p:cNvSpPr>
+            <a:r>
+              <a:rPr lang="en-US" dirty="0"/>
+              <a:t>Difference between sample from the same day</a:t>
+            </a:r>
+            <a:endParaRPr lang="en-IL" dirty="0"/>
+          </a:p>
+        </p:txBody>
+      </p:sp>
+      <p:pic>
+        <p:nvPicPr>
+          <p:cNvPr id="5" name="Content Placeholder 4">
+            <a:extLst>
+              <a:ext uri="{FF2B5EF4-FFF2-40B4-BE49-F238E27FC236}">
+                <a16:creationId xmlns:a16="http://schemas.microsoft.com/office/drawing/2014/main" id="{5863091C-F7BB-C0D0-C2F4-931A786BFB08}"/>
+              </a:ext>
+            </a:extLst>
+          </p:cNvPr>
+          <p:cNvPicPr>
+            <a:picLocks noGrp="1" noChangeAspect="1"/>
+          </p:cNvPicPr>
           <p:nvPr>
             <p:ph idx="1"/>
           </p:nvPr>
-        </p:nvSpPr>
-        <p:spPr/>
-        <p:txBody>
-          <a:bodyPr/>
-          <a:lstStyle/>
-          <a:p>
-            <a:pPr marL="0" indent="0">
-              <a:buNone/>
-            </a:pPr>
-            <a:endParaRPr lang="he-IL" dirty="0"/>
-          </a:p>
-        </p:txBody>
-      </p:sp>
+        </p:nvPicPr>
+        <p:blipFill>
+          <a:blip r:embed="rId3">
+            <a:extLst>
+              <a:ext uri="{28A0092B-C50C-407E-A947-70E740481C1C}">
+                <a14:useLocalDpi xmlns:a14="http://schemas.microsoft.com/office/drawing/2010/main" val="0"/>
+              </a:ext>
+            </a:extLst>
+          </a:blip>
+          <a:stretch>
+            <a:fillRect/>
+          </a:stretch>
+        </p:blipFill>
+        <p:spPr>
+          <a:xfrm>
+            <a:off x="2974657" y="1649447"/>
+            <a:ext cx="6242685" cy="5127115"/>
+          </a:xfrm>
+        </p:spPr>
+      </p:pic>
     </p:spTree>
     <p:extLst>
       <p:ext uri="{BB962C8B-B14F-4D97-AF65-F5344CB8AC3E}">
-        <p14:creationId xmlns:p14="http://schemas.microsoft.com/office/powerpoint/2010/main" val="613651190"/>
+        <p14:creationId xmlns:p14="http://schemas.microsoft.com/office/powerpoint/2010/main" val="1362455037"/>
+      </p:ext>
+    </p:extLst>
+  </p:cSld>
+  <p:clrMapOvr>
+    <a:masterClrMapping/>
+  </p:clrMapOvr>
+</p:sld>
+</file>
+
+<file path=ppt/slides/slide5.xml><?xml version="1.0" encoding="utf-8"?>
+<p:sld xmlns:a="http://schemas.openxmlformats.org/drawingml/2006/main" xmlns:r="http://schemas.openxmlformats.org/officeDocument/2006/relationships" xmlns:p="http://schemas.openxmlformats.org/presentationml/2006/main">
+  <p:cSld>
+    <p:spTree>
+      <p:nvGrpSpPr>
+        <p:cNvPr id="1" name=""/>
+        <p:cNvGrpSpPr/>
+        <p:nvPr/>
+      </p:nvGrpSpPr>
+      <p:grpSpPr>
+        <a:xfrm>
+          <a:off x="0" y="0"/>
+          <a:ext cx="0" cy="0"/>
+          <a:chOff x="0" y="0"/>
+          <a:chExt cx="0" cy="0"/>
+        </a:xfrm>
+      </p:grpSpPr>
+      <p:sp>
+        <p:nvSpPr>
+          <p:cNvPr id="2" name="Title 1">
+            <a:extLst>
+              <a:ext uri="{FF2B5EF4-FFF2-40B4-BE49-F238E27FC236}">
+                <a16:creationId xmlns:a16="http://schemas.microsoft.com/office/drawing/2014/main" id="{BCD46513-2C6D-C04E-B85C-BDFF0CAB44F6}"/>
+              </a:ext>
+            </a:extLst>
+          </p:cNvPr>
+          <p:cNvSpPr>
+            <a:spLocks noGrp="1"/>
+          </p:cNvSpPr>
+          <p:nvPr>
+            <p:ph type="title"/>
+          </p:nvPr>
+        </p:nvSpPr>
+        <p:spPr/>
+        <p:txBody>
+          <a:bodyPr/>
+          <a:lstStyle/>
+          <a:p>
+            <a:r>
+              <a:rPr lang="en-US" dirty="0"/>
+              <a:t>Time difference between subsequent samples – potential problem</a:t>
+            </a:r>
+            <a:endParaRPr lang="en-IL" dirty="0"/>
+          </a:p>
+        </p:txBody>
+      </p:sp>
+      <p:pic>
+        <p:nvPicPr>
+          <p:cNvPr id="13" name="Content Placeholder 12">
+            <a:extLst>
+              <a:ext uri="{FF2B5EF4-FFF2-40B4-BE49-F238E27FC236}">
+                <a16:creationId xmlns:a16="http://schemas.microsoft.com/office/drawing/2014/main" id="{74F94779-9A47-614E-C6A2-7CF9CEAEB835}"/>
+              </a:ext>
+            </a:extLst>
+          </p:cNvPr>
+          <p:cNvPicPr>
+            <a:picLocks noGrp="1" noChangeAspect="1"/>
+          </p:cNvPicPr>
+          <p:nvPr>
+            <p:ph idx="1"/>
+          </p:nvPr>
+        </p:nvPicPr>
+        <p:blipFill>
+          <a:blip r:embed="rId3">
+            <a:extLst>
+              <a:ext uri="{28A0092B-C50C-407E-A947-70E740481C1C}">
+                <a14:useLocalDpi xmlns:a14="http://schemas.microsoft.com/office/drawing/2010/main" val="0"/>
+              </a:ext>
+            </a:extLst>
+          </a:blip>
+          <a:stretch>
+            <a:fillRect/>
+          </a:stretch>
+        </p:blipFill>
+        <p:spPr bwMode="auto">
+          <a:xfrm>
+            <a:off x="7411372" y="3470071"/>
+            <a:ext cx="4365215" cy="3355468"/>
+          </a:xfrm>
+          <a:prstGeom prst="rect">
+            <a:avLst/>
+          </a:prstGeom>
+          <a:noFill/>
+          <a:extLst>
+            <a:ext uri="{909E8E84-426E-40DD-AFC4-6F175D3DCCD1}">
+              <a14:hiddenFill xmlns:a14="http://schemas.microsoft.com/office/drawing/2010/main">
+                <a:solidFill>
+                  <a:srgbClr val="FFFFFF"/>
+                </a:solidFill>
+              </a14:hiddenFill>
+            </a:ext>
+          </a:extLst>
+        </p:spPr>
+      </p:pic>
+      <p:sp>
+        <p:nvSpPr>
+          <p:cNvPr id="14" name="TextBox 13">
+            <a:extLst>
+              <a:ext uri="{FF2B5EF4-FFF2-40B4-BE49-F238E27FC236}">
+                <a16:creationId xmlns:a16="http://schemas.microsoft.com/office/drawing/2014/main" id="{6EBD64DD-DA5B-0C86-3F12-CD47437E24DD}"/>
+              </a:ext>
+            </a:extLst>
+          </p:cNvPr>
+          <p:cNvSpPr txBox="1"/>
+          <p:nvPr/>
+        </p:nvSpPr>
+        <p:spPr>
+          <a:xfrm>
+            <a:off x="980768" y="2271252"/>
+            <a:ext cx="6430604" cy="4216539"/>
+          </a:xfrm>
+          <a:prstGeom prst="rect">
+            <a:avLst/>
+          </a:prstGeom>
+          <a:noFill/>
+        </p:spPr>
+        <p:txBody>
+          <a:bodyPr wrap="square" rtlCol="0">
+            <a:spAutoFit/>
+          </a:bodyPr>
+          <a:lstStyle/>
+          <a:p>
+            <a:pPr marL="285750" indent="-285750">
+              <a:buFont typeface="Arial" panose="020B0604020202020204" pitchFamily="34" charset="0"/>
+              <a:buChar char="•"/>
+            </a:pPr>
+            <a:r>
+              <a:rPr lang="en-US" sz="2800" dirty="0">
+                <a:latin typeface="Calibri" panose="020F0502020204030204" pitchFamily="34" charset="0"/>
+                <a:ea typeface="Calibri" panose="020F0502020204030204" pitchFamily="34" charset="0"/>
+                <a:cs typeface="Calibri" panose="020F0502020204030204" pitchFamily="34" charset="0"/>
+              </a:rPr>
+              <a:t>Long time gap: &gt; 180 days</a:t>
+            </a:r>
+          </a:p>
+          <a:p>
+            <a:pPr marL="285750" indent="-285750">
+              <a:buFont typeface="Arial" panose="020B0604020202020204" pitchFamily="34" charset="0"/>
+              <a:buChar char="•"/>
+            </a:pPr>
+            <a:r>
+              <a:rPr lang="en-US" sz="2800" dirty="0">
+                <a:latin typeface="Calibri" panose="020F0502020204030204" pitchFamily="34" charset="0"/>
+                <a:ea typeface="Calibri" panose="020F0502020204030204" pitchFamily="34" charset="0"/>
+                <a:cs typeface="Calibri" panose="020F0502020204030204" pitchFamily="34" charset="0"/>
+              </a:rPr>
+              <a:t>Over 70 baboons with many long time gaps</a:t>
+            </a:r>
+          </a:p>
+          <a:p>
+            <a:pPr marL="285750" indent="-285750">
+              <a:buFont typeface="Arial" panose="020B0604020202020204" pitchFamily="34" charset="0"/>
+              <a:buChar char="•"/>
+            </a:pPr>
+            <a:r>
+              <a:rPr lang="en-US" sz="2800" dirty="0">
+                <a:latin typeface="Calibri" panose="020F0502020204030204" pitchFamily="34" charset="0"/>
+                <a:ea typeface="Calibri" panose="020F0502020204030204" pitchFamily="34" charset="0"/>
+                <a:cs typeface="Calibri" panose="020F0502020204030204" pitchFamily="34" charset="0"/>
+              </a:rPr>
+              <a:t>Average number of gaps – 3.25</a:t>
+            </a:r>
+          </a:p>
+          <a:p>
+            <a:pPr marL="285750" indent="-285750">
+              <a:buFont typeface="Arial" panose="020B0604020202020204" pitchFamily="34" charset="0"/>
+              <a:buChar char="•"/>
+            </a:pPr>
+            <a:r>
+              <a:rPr lang="en-US" sz="2800" dirty="0">
+                <a:latin typeface="Calibri" panose="020F0502020204030204" pitchFamily="34" charset="0"/>
+                <a:ea typeface="Calibri" panose="020F0502020204030204" pitchFamily="34" charset="0"/>
+                <a:cs typeface="Calibri" panose="020F0502020204030204" pitchFamily="34" charset="0"/>
+              </a:rPr>
+              <a:t>The density of the samples isn’t uniform</a:t>
+            </a:r>
+          </a:p>
+          <a:p>
+            <a:endParaRPr lang="en-US" sz="2800" dirty="0">
+              <a:latin typeface="Calibri" panose="020F0502020204030204" pitchFamily="34" charset="0"/>
+              <a:ea typeface="Calibri" panose="020F0502020204030204" pitchFamily="34" charset="0"/>
+              <a:cs typeface="Calibri" panose="020F0502020204030204" pitchFamily="34" charset="0"/>
+            </a:endParaRPr>
+          </a:p>
+          <a:p>
+            <a:r>
+              <a:rPr lang="en-US" sz="2800" b="1" dirty="0">
+                <a:latin typeface="Calibri" panose="020F0502020204030204" pitchFamily="34" charset="0"/>
+                <a:ea typeface="Calibri" panose="020F0502020204030204" pitchFamily="34" charset="0"/>
+                <a:cs typeface="Calibri" panose="020F0502020204030204" pitchFamily="34" charset="0"/>
+              </a:rPr>
+              <a:t>Is the large gaps between the samples a major issue?</a:t>
+            </a:r>
+          </a:p>
+          <a:p>
+            <a:pPr marL="285750" indent="-285750">
+              <a:buFont typeface="Arial" panose="020B0604020202020204" pitchFamily="34" charset="0"/>
+              <a:buChar char="•"/>
+            </a:pPr>
+            <a:endParaRPr lang="en-US" sz="2800" dirty="0">
+              <a:latin typeface="Calibri" panose="020F0502020204030204" pitchFamily="34" charset="0"/>
+              <a:ea typeface="Calibri" panose="020F0502020204030204" pitchFamily="34" charset="0"/>
+              <a:cs typeface="Calibri" panose="020F0502020204030204" pitchFamily="34" charset="0"/>
+            </a:endParaRPr>
+          </a:p>
+          <a:p>
+            <a:pPr marL="285750" indent="-285750">
+              <a:buFont typeface="Arial" panose="020B0604020202020204" pitchFamily="34" charset="0"/>
+              <a:buChar char="•"/>
+            </a:pPr>
+            <a:endParaRPr lang="en-IL" sz="1600" dirty="0"/>
+          </a:p>
+        </p:txBody>
+      </p:sp>
+      <p:pic>
+        <p:nvPicPr>
+          <p:cNvPr id="15" name="Picture 14">
+            <a:extLst>
+              <a:ext uri="{FF2B5EF4-FFF2-40B4-BE49-F238E27FC236}">
+                <a16:creationId xmlns:a16="http://schemas.microsoft.com/office/drawing/2014/main" id="{DB43B1FD-B6D7-A5D4-D4D7-194CC07AC6BC}"/>
+              </a:ext>
+            </a:extLst>
+          </p:cNvPr>
+          <p:cNvPicPr>
+            <a:picLocks noChangeAspect="1"/>
+          </p:cNvPicPr>
+          <p:nvPr/>
+        </p:nvPicPr>
+        <p:blipFill>
+          <a:blip r:embed="rId4">
+            <a:extLst>
+              <a:ext uri="{28A0092B-C50C-407E-A947-70E740481C1C}">
+                <a14:useLocalDpi xmlns:a14="http://schemas.microsoft.com/office/drawing/2010/main" val="0"/>
+              </a:ext>
+            </a:extLst>
+          </a:blip>
+          <a:stretch>
+            <a:fillRect/>
+          </a:stretch>
+        </p:blipFill>
+        <p:spPr>
+          <a:xfrm>
+            <a:off x="8765202" y="1187758"/>
+            <a:ext cx="3011385" cy="2282313"/>
+          </a:xfrm>
+          <a:prstGeom prst="rect">
+            <a:avLst/>
+          </a:prstGeom>
+        </p:spPr>
+      </p:pic>
+    </p:spTree>
+    <p:extLst>
+      <p:ext uri="{BB962C8B-B14F-4D97-AF65-F5344CB8AC3E}">
+        <p14:creationId xmlns:p14="http://schemas.microsoft.com/office/powerpoint/2010/main" val="1260290162"/>
+      </p:ext>
+    </p:extLst>
+  </p:cSld>
+  <p:clrMapOvr>
+    <a:masterClrMapping/>
+  </p:clrMapOvr>
+</p:sld>
+</file>
+
+<file path=ppt/slides/slide6.xml><?xml version="1.0" encoding="utf-8"?>
+<p:sld xmlns:a="http://schemas.openxmlformats.org/drawingml/2006/main" xmlns:r="http://schemas.openxmlformats.org/officeDocument/2006/relationships" xmlns:p="http://schemas.openxmlformats.org/presentationml/2006/main">
+  <p:cSld>
+    <p:spTree>
+      <p:nvGrpSpPr>
+        <p:cNvPr id="1" name=""/>
+        <p:cNvGrpSpPr/>
+        <p:nvPr/>
+      </p:nvGrpSpPr>
+      <p:grpSpPr>
+        <a:xfrm>
+          <a:off x="0" y="0"/>
+          <a:ext cx="0" cy="0"/>
+          <a:chOff x="0" y="0"/>
+          <a:chExt cx="0" cy="0"/>
+        </a:xfrm>
+      </p:grpSpPr>
+      <p:sp>
+        <p:nvSpPr>
+          <p:cNvPr id="2" name="Title 1">
+            <a:extLst>
+              <a:ext uri="{FF2B5EF4-FFF2-40B4-BE49-F238E27FC236}">
+                <a16:creationId xmlns:a16="http://schemas.microsoft.com/office/drawing/2014/main" id="{0DE3F1CE-5804-E52A-5567-C775B44296BE}"/>
+              </a:ext>
+            </a:extLst>
+          </p:cNvPr>
+          <p:cNvSpPr>
+            <a:spLocks noGrp="1"/>
+          </p:cNvSpPr>
+          <p:nvPr>
+            <p:ph type="title"/>
+          </p:nvPr>
+        </p:nvSpPr>
+        <p:spPr/>
+        <p:txBody>
+          <a:bodyPr/>
+          <a:lstStyle/>
+          <a:p>
+            <a:r>
+              <a:rPr lang="en-US" dirty="0"/>
+              <a:t>Bray Curtis with avg profile</a:t>
+            </a:r>
+            <a:endParaRPr lang="en-IL" dirty="0"/>
+          </a:p>
+        </p:txBody>
+      </p:sp>
+      <p:pic>
+        <p:nvPicPr>
+          <p:cNvPr id="5" name="Content Placeholder 4" descr="A graph of a normal distribution&#10;&#10;Description automatically generated">
+            <a:extLst>
+              <a:ext uri="{FF2B5EF4-FFF2-40B4-BE49-F238E27FC236}">
+                <a16:creationId xmlns:a16="http://schemas.microsoft.com/office/drawing/2014/main" id="{D1B3874B-F45C-4F5C-1A42-4D608278D682}"/>
+              </a:ext>
+            </a:extLst>
+          </p:cNvPr>
+          <p:cNvPicPr>
+            <a:picLocks noGrp="1" noChangeAspect="1"/>
+          </p:cNvPicPr>
+          <p:nvPr>
+            <p:ph idx="1"/>
+          </p:nvPr>
+        </p:nvPicPr>
+        <p:blipFill>
+          <a:blip r:embed="rId3">
+            <a:extLst>
+              <a:ext uri="{28A0092B-C50C-407E-A947-70E740481C1C}">
+                <a14:useLocalDpi xmlns:a14="http://schemas.microsoft.com/office/drawing/2010/main" val="0"/>
+              </a:ext>
+            </a:extLst>
+          </a:blip>
+          <a:stretch>
+            <a:fillRect/>
+          </a:stretch>
+        </p:blipFill>
+        <p:spPr>
+          <a:xfrm>
+            <a:off x="3395662" y="1834356"/>
+            <a:ext cx="5400675" cy="4333875"/>
+          </a:xfrm>
+        </p:spPr>
+      </p:pic>
+    </p:spTree>
+    <p:extLst>
+      <p:ext uri="{BB962C8B-B14F-4D97-AF65-F5344CB8AC3E}">
+        <p14:creationId xmlns:p14="http://schemas.microsoft.com/office/powerpoint/2010/main" val="282943952"/>
+      </p:ext>
+    </p:extLst>
+  </p:cSld>
+  <p:clrMapOvr>
+    <a:masterClrMapping/>
+  </p:clrMapOvr>
+</p:sld>
+</file>
+
+<file path=ppt/slides/slide7.xml><?xml version="1.0" encoding="utf-8"?>
+<p:sld xmlns:a="http://schemas.openxmlformats.org/drawingml/2006/main" xmlns:r="http://schemas.openxmlformats.org/officeDocument/2006/relationships" xmlns:p="http://schemas.openxmlformats.org/presentationml/2006/main">
+  <p:cSld>
+    <p:spTree>
+      <p:nvGrpSpPr>
+        <p:cNvPr id="1" name=""/>
+        <p:cNvGrpSpPr/>
+        <p:nvPr/>
+      </p:nvGrpSpPr>
+      <p:grpSpPr>
+        <a:xfrm>
+          <a:off x="0" y="0"/>
+          <a:ext cx="0" cy="0"/>
+          <a:chOff x="0" y="0"/>
+          <a:chExt cx="0" cy="0"/>
+        </a:xfrm>
+      </p:grpSpPr>
+      <p:sp>
+        <p:nvSpPr>
+          <p:cNvPr id="2" name="Title 1">
+            <a:extLst>
+              <a:ext uri="{FF2B5EF4-FFF2-40B4-BE49-F238E27FC236}">
+                <a16:creationId xmlns:a16="http://schemas.microsoft.com/office/drawing/2014/main" id="{0DE3F1CE-5804-E52A-5567-C775B44296BE}"/>
+              </a:ext>
+            </a:extLst>
+          </p:cNvPr>
+          <p:cNvSpPr>
+            <a:spLocks noGrp="1"/>
+          </p:cNvSpPr>
+          <p:nvPr>
+            <p:ph type="title"/>
+          </p:nvPr>
+        </p:nvSpPr>
+        <p:spPr/>
+        <p:txBody>
+          <a:bodyPr/>
+          <a:lstStyle/>
+          <a:p>
+            <a:r>
+              <a:rPr lang="en-US" dirty="0"/>
+              <a:t>Bray Curtis between subsequent samples</a:t>
+            </a:r>
+            <a:endParaRPr lang="en-IL" dirty="0"/>
+          </a:p>
+        </p:txBody>
+      </p:sp>
+      <p:sp>
+        <p:nvSpPr>
+          <p:cNvPr id="3" name="Content Placeholder 2">
+            <a:extLst>
+              <a:ext uri="{FF2B5EF4-FFF2-40B4-BE49-F238E27FC236}">
+                <a16:creationId xmlns:a16="http://schemas.microsoft.com/office/drawing/2014/main" id="{48C0FBFE-AE45-66A4-798A-63AEAF6D0F1F}"/>
+              </a:ext>
+            </a:extLst>
+          </p:cNvPr>
+          <p:cNvSpPr>
+            <a:spLocks noGrp="1"/>
+          </p:cNvSpPr>
+          <p:nvPr>
+            <p:ph idx="1"/>
+          </p:nvPr>
+        </p:nvSpPr>
+        <p:spPr/>
+        <p:txBody>
+          <a:bodyPr/>
+          <a:lstStyle/>
+          <a:p>
+            <a:r>
+              <a:rPr lang="en-US" dirty="0"/>
+              <a:t>Interactive plot</a:t>
+            </a:r>
+            <a:endParaRPr lang="en-IL" dirty="0"/>
+          </a:p>
+        </p:txBody>
+      </p:sp>
+    </p:spTree>
+    <p:extLst>
+      <p:ext uri="{BB962C8B-B14F-4D97-AF65-F5344CB8AC3E}">
+        <p14:creationId xmlns:p14="http://schemas.microsoft.com/office/powerpoint/2010/main" val="2754993977"/>
+      </p:ext>
+    </p:extLst>
+  </p:cSld>
+  <p:clrMapOvr>
+    <a:masterClrMapping/>
+  </p:clrMapOvr>
+</p:sld>
+</file>
+
+<file path=ppt/slides/slide8.xml><?xml version="1.0" encoding="utf-8"?>
+<p:sld xmlns:a="http://schemas.openxmlformats.org/drawingml/2006/main" xmlns:r="http://schemas.openxmlformats.org/officeDocument/2006/relationships" xmlns:p="http://schemas.openxmlformats.org/presentationml/2006/main">
+  <p:cSld>
+    <p:spTree>
+      <p:nvGrpSpPr>
+        <p:cNvPr id="1" name=""/>
+        <p:cNvGrpSpPr/>
+        <p:nvPr/>
+      </p:nvGrpSpPr>
+      <p:grpSpPr>
+        <a:xfrm>
+          <a:off x="0" y="0"/>
+          <a:ext cx="0" cy="0"/>
+          <a:chOff x="0" y="0"/>
+          <a:chExt cx="0" cy="0"/>
+        </a:xfrm>
+      </p:grpSpPr>
+      <p:sp>
+        <p:nvSpPr>
+          <p:cNvPr id="2" name="Title 1">
+            <a:extLst>
+              <a:ext uri="{FF2B5EF4-FFF2-40B4-BE49-F238E27FC236}">
+                <a16:creationId xmlns:a16="http://schemas.microsoft.com/office/drawing/2014/main" id="{D970779F-71DD-15BC-8E30-A3184EF7E541}"/>
+              </a:ext>
+            </a:extLst>
+          </p:cNvPr>
+          <p:cNvSpPr>
+            <a:spLocks noGrp="1"/>
+          </p:cNvSpPr>
+          <p:nvPr>
+            <p:ph type="title"/>
+          </p:nvPr>
+        </p:nvSpPr>
+        <p:spPr/>
+        <p:txBody>
+          <a:bodyPr/>
+          <a:lstStyle/>
+          <a:p>
+            <a:r>
+              <a:rPr lang="en-US" dirty="0"/>
+              <a:t>So, average might be good enough?</a:t>
+            </a:r>
+            <a:endParaRPr lang="en-IL" dirty="0"/>
+          </a:p>
+        </p:txBody>
+      </p:sp>
+      <p:sp>
+        <p:nvSpPr>
+          <p:cNvPr id="3" name="Content Placeholder 2">
+            <a:extLst>
+              <a:ext uri="{FF2B5EF4-FFF2-40B4-BE49-F238E27FC236}">
+                <a16:creationId xmlns:a16="http://schemas.microsoft.com/office/drawing/2014/main" id="{A0ABA58B-2A20-C8A8-92FF-B0677CCA74F6}"/>
+              </a:ext>
+            </a:extLst>
+          </p:cNvPr>
+          <p:cNvSpPr>
+            <a:spLocks noGrp="1"/>
+          </p:cNvSpPr>
+          <p:nvPr>
+            <p:ph idx="1"/>
+          </p:nvPr>
+        </p:nvSpPr>
+        <p:spPr/>
+        <p:txBody>
+          <a:bodyPr/>
+          <a:lstStyle/>
+          <a:p>
+            <a:r>
+              <a:rPr lang="en-US" dirty="0"/>
+              <a:t>Not for us!</a:t>
+            </a:r>
+          </a:p>
+          <a:p>
+            <a:endParaRPr lang="en-US" dirty="0"/>
+          </a:p>
+          <a:p>
+            <a:endParaRPr lang="en-US" dirty="0"/>
+          </a:p>
+        </p:txBody>
+      </p:sp>
+    </p:spTree>
+    <p:extLst>
+      <p:ext uri="{BB962C8B-B14F-4D97-AF65-F5344CB8AC3E}">
+        <p14:creationId xmlns:p14="http://schemas.microsoft.com/office/powerpoint/2010/main" val="3560605210"/>
+      </p:ext>
+    </p:extLst>
+  </p:cSld>
+  <p:clrMapOvr>
+    <a:masterClrMapping/>
+  </p:clrMapOvr>
+</p:sld>
+</file>
+
+<file path=ppt/slides/slide9.xml><?xml version="1.0" encoding="utf-8"?>
+<p:sld xmlns:a="http://schemas.openxmlformats.org/drawingml/2006/main" xmlns:r="http://schemas.openxmlformats.org/officeDocument/2006/relationships" xmlns:p="http://schemas.openxmlformats.org/presentationml/2006/main" show="0">
+  <p:cSld>
+    <p:spTree>
+      <p:nvGrpSpPr>
+        <p:cNvPr id="1" name=""/>
+        <p:cNvGrpSpPr/>
+        <p:nvPr/>
+      </p:nvGrpSpPr>
+      <p:grpSpPr>
+        <a:xfrm>
+          <a:off x="0" y="0"/>
+          <a:ext cx="0" cy="0"/>
+          <a:chOff x="0" y="0"/>
+          <a:chExt cx="0" cy="0"/>
+        </a:xfrm>
+      </p:grpSpPr>
+      <p:sp>
+        <p:nvSpPr>
+          <p:cNvPr id="2" name="Title 1">
+            <a:extLst>
+              <a:ext uri="{FF2B5EF4-FFF2-40B4-BE49-F238E27FC236}">
+                <a16:creationId xmlns:a16="http://schemas.microsoft.com/office/drawing/2014/main" id="{D643687F-8769-DD81-6DE0-BABA2A4E904C}"/>
+              </a:ext>
+            </a:extLst>
+          </p:cNvPr>
+          <p:cNvSpPr>
+            <a:spLocks noGrp="1"/>
+          </p:cNvSpPr>
+          <p:nvPr>
+            <p:ph type="title"/>
+          </p:nvPr>
+        </p:nvSpPr>
+        <p:spPr/>
+        <p:txBody>
+          <a:bodyPr/>
+          <a:lstStyle/>
+          <a:p>
+            <a:r>
+              <a:rPr lang="en-US" dirty="0"/>
+              <a:t>Time difference between subsequent samples - solutions</a:t>
+            </a:r>
+            <a:endParaRPr lang="en-IL" dirty="0"/>
+          </a:p>
+        </p:txBody>
+      </p:sp>
+      <p:sp>
+        <p:nvSpPr>
+          <p:cNvPr id="3" name="Content Placeholder 2">
+            <a:extLst>
+              <a:ext uri="{FF2B5EF4-FFF2-40B4-BE49-F238E27FC236}">
+                <a16:creationId xmlns:a16="http://schemas.microsoft.com/office/drawing/2014/main" id="{D1E98C5B-6AB8-7D33-9715-3E2F0ED22451}"/>
+              </a:ext>
+            </a:extLst>
+          </p:cNvPr>
+          <p:cNvSpPr>
+            <a:spLocks noGrp="1"/>
+          </p:cNvSpPr>
+          <p:nvPr>
+            <p:ph idx="1"/>
+          </p:nvPr>
+        </p:nvSpPr>
+        <p:spPr/>
+        <p:txBody>
+          <a:bodyPr/>
+          <a:lstStyle/>
+          <a:p>
+            <a:r>
+              <a:rPr lang="en-US" dirty="0"/>
+              <a:t>Time bins – divide the samples into temporal subgroups</a:t>
+            </a:r>
+          </a:p>
+          <a:p>
+            <a:r>
+              <a:rPr lang="en-US" dirty="0"/>
+              <a:t>weights for time difference</a:t>
+            </a:r>
+          </a:p>
+          <a:p>
+            <a:r>
+              <a:rPr lang="en-US" dirty="0"/>
+              <a:t>“Avg sample per baboon” – of samples from the same day </a:t>
+            </a:r>
+          </a:p>
+          <a:p>
+            <a:endParaRPr lang="en-IL" dirty="0"/>
+          </a:p>
+        </p:txBody>
+      </p:sp>
+    </p:spTree>
+    <p:extLst>
+      <p:ext uri="{BB962C8B-B14F-4D97-AF65-F5344CB8AC3E}">
+        <p14:creationId xmlns:p14="http://schemas.microsoft.com/office/powerpoint/2010/main" val="238266048"/>
       </p:ext>
     </p:extLst>
   </p:cSld>

--- a/Milestone 1.pptx
+++ b/Milestone 1.pptx
@@ -5,7 +5,7 @@
     <p:sldMasterId id="2147483648" r:id="rId1"/>
   </p:sldMasterIdLst>
   <p:notesMasterIdLst>
-    <p:notesMasterId r:id="rId15"/>
+    <p:notesMasterId r:id="rId18"/>
   </p:notesMasterIdLst>
   <p:sldIdLst>
     <p:sldId id="256" r:id="rId2"/>
@@ -15,12 +15,15 @@
     <p:sldId id="261" r:id="rId6"/>
     <p:sldId id="266" r:id="rId7"/>
     <p:sldId id="267" r:id="rId8"/>
-    <p:sldId id="268" r:id="rId9"/>
-    <p:sldId id="264" r:id="rId10"/>
-    <p:sldId id="259" r:id="rId11"/>
-    <p:sldId id="258" r:id="rId12"/>
-    <p:sldId id="262" r:id="rId13"/>
-    <p:sldId id="263" r:id="rId14"/>
+    <p:sldId id="269" r:id="rId9"/>
+    <p:sldId id="271" r:id="rId10"/>
+    <p:sldId id="270" r:id="rId11"/>
+    <p:sldId id="268" r:id="rId12"/>
+    <p:sldId id="264" r:id="rId13"/>
+    <p:sldId id="259" r:id="rId14"/>
+    <p:sldId id="258" r:id="rId15"/>
+    <p:sldId id="262" r:id="rId16"/>
+    <p:sldId id="263" r:id="rId17"/>
   </p:sldIdLst>
   <p:sldSz cx="12192000" cy="6858000"/>
   <p:notesSz cx="6858000" cy="9144000"/>
@@ -1547,7 +1550,7 @@
           <a:p>
             <a:fld id="{1953AF5B-F3A6-48BF-9D5A-53DBBACACE09}" type="slidenum">
               <a:rPr lang="he-IL" smtClean="0"/>
-              <a:t>10</a:t>
+              <a:t>13</a:t>
             </a:fld>
             <a:endParaRPr lang="he-IL"/>
           </a:p>
@@ -1631,7 +1634,7 @@
           <a:p>
             <a:fld id="{1953AF5B-F3A6-48BF-9D5A-53DBBACACE09}" type="slidenum">
               <a:rPr lang="he-IL" smtClean="0"/>
-              <a:t>12</a:t>
+              <a:t>15</a:t>
             </a:fld>
             <a:endParaRPr lang="he-IL"/>
           </a:p>
@@ -5175,6 +5178,96 @@
 </file>
 
 <file path=ppt/slides/slide10.xml><?xml version="1.0" encoding="utf-8"?>
+<p:sld xmlns:a="http://schemas.openxmlformats.org/drawingml/2006/main" xmlns:r="http://schemas.openxmlformats.org/officeDocument/2006/relationships" xmlns:p="http://schemas.openxmlformats.org/presentationml/2006/main" show="0">
+  <p:cSld>
+    <p:spTree>
+      <p:nvGrpSpPr>
+        <p:cNvPr id="1" name=""/>
+        <p:cNvGrpSpPr/>
+        <p:nvPr/>
+      </p:nvGrpSpPr>
+      <p:grpSpPr>
+        <a:xfrm>
+          <a:off x="0" y="0"/>
+          <a:ext cx="0" cy="0"/>
+          <a:chOff x="0" y="0"/>
+          <a:chExt cx="0" cy="0"/>
+        </a:xfrm>
+      </p:grpSpPr>
+      <p:sp>
+        <p:nvSpPr>
+          <p:cNvPr id="2" name="Title 1">
+            <a:extLst>
+              <a:ext uri="{FF2B5EF4-FFF2-40B4-BE49-F238E27FC236}">
+                <a16:creationId xmlns:a16="http://schemas.microsoft.com/office/drawing/2014/main" id="{218F124A-FB24-4A45-6ADC-80835792F4D6}"/>
+              </a:ext>
+            </a:extLst>
+          </p:cNvPr>
+          <p:cNvSpPr>
+            <a:spLocks noGrp="1"/>
+          </p:cNvSpPr>
+          <p:nvPr>
+            <p:ph type="title"/>
+          </p:nvPr>
+        </p:nvSpPr>
+        <p:spPr/>
+        <p:txBody>
+          <a:bodyPr/>
+          <a:lstStyle/>
+          <a:p>
+            <a:endParaRPr lang="en-IL"/>
+          </a:p>
+        </p:txBody>
+      </p:sp>
+      <p:pic>
+        <p:nvPicPr>
+          <p:cNvPr id="5" name="Content Placeholder 4" descr="A graph of a graph&#10;&#10;Description automatically generated with medium confidence">
+            <a:extLst>
+              <a:ext uri="{FF2B5EF4-FFF2-40B4-BE49-F238E27FC236}">
+                <a16:creationId xmlns:a16="http://schemas.microsoft.com/office/drawing/2014/main" id="{156DDA31-9AE9-9744-FEA7-229B0DBA6D2B}"/>
+              </a:ext>
+            </a:extLst>
+          </p:cNvPr>
+          <p:cNvPicPr>
+            <a:picLocks noGrp="1" noChangeAspect="1"/>
+          </p:cNvPicPr>
+          <p:nvPr>
+            <p:ph idx="1"/>
+          </p:nvPr>
+        </p:nvPicPr>
+        <p:blipFill>
+          <a:blip r:embed="rId2">
+            <a:extLst>
+              <a:ext uri="{28A0092B-C50C-407E-A947-70E740481C1C}">
+                <a14:useLocalDpi xmlns:a14="http://schemas.microsoft.com/office/drawing/2010/main" val="0"/>
+              </a:ext>
+            </a:extLst>
+          </a:blip>
+          <a:stretch>
+            <a:fillRect/>
+          </a:stretch>
+        </p:blipFill>
+        <p:spPr>
+          <a:xfrm>
+            <a:off x="1149295" y="1882231"/>
+            <a:ext cx="9893410" cy="4756447"/>
+          </a:xfrm>
+        </p:spPr>
+      </p:pic>
+    </p:spTree>
+    <p:extLst>
+      <p:ext uri="{BB962C8B-B14F-4D97-AF65-F5344CB8AC3E}">
+        <p14:creationId xmlns:p14="http://schemas.microsoft.com/office/powerpoint/2010/main" val="3478329262"/>
+      </p:ext>
+    </p:extLst>
+  </p:cSld>
+  <p:clrMapOvr>
+    <a:masterClrMapping/>
+  </p:clrMapOvr>
+</p:sld>
+</file>
+
+<file path=ppt/slides/slide11.xml><?xml version="1.0" encoding="utf-8"?>
 <p:sld xmlns:a="http://schemas.openxmlformats.org/drawingml/2006/main" xmlns:r="http://schemas.openxmlformats.org/officeDocument/2006/relationships" xmlns:p="http://schemas.openxmlformats.org/presentationml/2006/main">
   <p:cSld>
     <p:spTree>
@@ -5196,6 +5289,201 @@
           <p:cNvPr id="2" name="Title 1">
             <a:extLst>
               <a:ext uri="{FF2B5EF4-FFF2-40B4-BE49-F238E27FC236}">
+                <a16:creationId xmlns:a16="http://schemas.microsoft.com/office/drawing/2014/main" id="{D970779F-71DD-15BC-8E30-A3184EF7E541}"/>
+              </a:ext>
+            </a:extLst>
+          </p:cNvPr>
+          <p:cNvSpPr>
+            <a:spLocks noGrp="1"/>
+          </p:cNvSpPr>
+          <p:nvPr>
+            <p:ph type="title"/>
+          </p:nvPr>
+        </p:nvSpPr>
+        <p:spPr/>
+        <p:txBody>
+          <a:bodyPr/>
+          <a:lstStyle/>
+          <a:p>
+            <a:r>
+              <a:rPr lang="en-US" dirty="0"/>
+              <a:t>So, average might be good enough?</a:t>
+            </a:r>
+            <a:endParaRPr lang="en-IL" dirty="0"/>
+          </a:p>
+        </p:txBody>
+      </p:sp>
+      <p:sp>
+        <p:nvSpPr>
+          <p:cNvPr id="3" name="Content Placeholder 2">
+            <a:extLst>
+              <a:ext uri="{FF2B5EF4-FFF2-40B4-BE49-F238E27FC236}">
+                <a16:creationId xmlns:a16="http://schemas.microsoft.com/office/drawing/2014/main" id="{A0ABA58B-2A20-C8A8-92FF-B0677CCA74F6}"/>
+              </a:ext>
+            </a:extLst>
+          </p:cNvPr>
+          <p:cNvSpPr>
+            <a:spLocks noGrp="1"/>
+          </p:cNvSpPr>
+          <p:nvPr>
+            <p:ph idx="1"/>
+          </p:nvPr>
+        </p:nvSpPr>
+        <p:spPr/>
+        <p:txBody>
+          <a:bodyPr/>
+          <a:lstStyle/>
+          <a:p>
+            <a:r>
+              <a:rPr lang="en-US" dirty="0"/>
+              <a:t>Not for us!</a:t>
+            </a:r>
+          </a:p>
+          <a:p>
+            <a:endParaRPr lang="en-US" dirty="0"/>
+          </a:p>
+          <a:p>
+            <a:endParaRPr lang="en-US" dirty="0"/>
+          </a:p>
+        </p:txBody>
+      </p:sp>
+    </p:spTree>
+    <p:extLst>
+      <p:ext uri="{BB962C8B-B14F-4D97-AF65-F5344CB8AC3E}">
+        <p14:creationId xmlns:p14="http://schemas.microsoft.com/office/powerpoint/2010/main" val="3560605210"/>
+      </p:ext>
+    </p:extLst>
+  </p:cSld>
+  <p:clrMapOvr>
+    <a:masterClrMapping/>
+  </p:clrMapOvr>
+</p:sld>
+</file>
+
+<file path=ppt/slides/slide12.xml><?xml version="1.0" encoding="utf-8"?>
+<p:sld xmlns:a="http://schemas.openxmlformats.org/drawingml/2006/main" xmlns:r="http://schemas.openxmlformats.org/officeDocument/2006/relationships" xmlns:p="http://schemas.openxmlformats.org/presentationml/2006/main" show="0">
+  <p:cSld>
+    <p:spTree>
+      <p:nvGrpSpPr>
+        <p:cNvPr id="1" name=""/>
+        <p:cNvGrpSpPr/>
+        <p:nvPr/>
+      </p:nvGrpSpPr>
+      <p:grpSpPr>
+        <a:xfrm>
+          <a:off x="0" y="0"/>
+          <a:ext cx="0" cy="0"/>
+          <a:chOff x="0" y="0"/>
+          <a:chExt cx="0" cy="0"/>
+        </a:xfrm>
+      </p:grpSpPr>
+      <p:sp>
+        <p:nvSpPr>
+          <p:cNvPr id="2" name="Title 1">
+            <a:extLst>
+              <a:ext uri="{FF2B5EF4-FFF2-40B4-BE49-F238E27FC236}">
+                <a16:creationId xmlns:a16="http://schemas.microsoft.com/office/drawing/2014/main" id="{D643687F-8769-DD81-6DE0-BABA2A4E904C}"/>
+              </a:ext>
+            </a:extLst>
+          </p:cNvPr>
+          <p:cNvSpPr>
+            <a:spLocks noGrp="1"/>
+          </p:cNvSpPr>
+          <p:nvPr>
+            <p:ph type="title"/>
+          </p:nvPr>
+        </p:nvSpPr>
+        <p:spPr/>
+        <p:txBody>
+          <a:bodyPr/>
+          <a:lstStyle/>
+          <a:p>
+            <a:r>
+              <a:rPr lang="en-US" dirty="0"/>
+              <a:t>Time difference between subsequent samples - solutions</a:t>
+            </a:r>
+            <a:endParaRPr lang="en-IL" dirty="0"/>
+          </a:p>
+        </p:txBody>
+      </p:sp>
+      <p:sp>
+        <p:nvSpPr>
+          <p:cNvPr id="3" name="Content Placeholder 2">
+            <a:extLst>
+              <a:ext uri="{FF2B5EF4-FFF2-40B4-BE49-F238E27FC236}">
+                <a16:creationId xmlns:a16="http://schemas.microsoft.com/office/drawing/2014/main" id="{D1E98C5B-6AB8-7D33-9715-3E2F0ED22451}"/>
+              </a:ext>
+            </a:extLst>
+          </p:cNvPr>
+          <p:cNvSpPr>
+            <a:spLocks noGrp="1"/>
+          </p:cNvSpPr>
+          <p:nvPr>
+            <p:ph idx="1"/>
+          </p:nvPr>
+        </p:nvSpPr>
+        <p:spPr/>
+        <p:txBody>
+          <a:bodyPr/>
+          <a:lstStyle/>
+          <a:p>
+            <a:r>
+              <a:rPr lang="en-US" dirty="0"/>
+              <a:t>Time bins – divide the samples into temporal subgroups</a:t>
+            </a:r>
+          </a:p>
+          <a:p>
+            <a:r>
+              <a:rPr lang="en-US" dirty="0"/>
+              <a:t>weights for time difference</a:t>
+            </a:r>
+          </a:p>
+          <a:p>
+            <a:r>
+              <a:rPr lang="en-US" dirty="0"/>
+              <a:t>“Avg sample per baboon” – of samples from the same day </a:t>
+            </a:r>
+          </a:p>
+          <a:p>
+            <a:endParaRPr lang="en-IL" dirty="0"/>
+          </a:p>
+        </p:txBody>
+      </p:sp>
+    </p:spTree>
+    <p:extLst>
+      <p:ext uri="{BB962C8B-B14F-4D97-AF65-F5344CB8AC3E}">
+        <p14:creationId xmlns:p14="http://schemas.microsoft.com/office/powerpoint/2010/main" val="238266048"/>
+      </p:ext>
+    </p:extLst>
+  </p:cSld>
+  <p:clrMapOvr>
+    <a:masterClrMapping/>
+  </p:clrMapOvr>
+</p:sld>
+</file>
+
+<file path=ppt/slides/slide13.xml><?xml version="1.0" encoding="utf-8"?>
+<p:sld xmlns:a="http://schemas.openxmlformats.org/drawingml/2006/main" xmlns:r="http://schemas.openxmlformats.org/officeDocument/2006/relationships" xmlns:p="http://schemas.openxmlformats.org/presentationml/2006/main">
+  <p:cSld>
+    <p:spTree>
+      <p:nvGrpSpPr>
+        <p:cNvPr id="1" name=""/>
+        <p:cNvGrpSpPr/>
+        <p:nvPr/>
+      </p:nvGrpSpPr>
+      <p:grpSpPr>
+        <a:xfrm>
+          <a:off x="0" y="0"/>
+          <a:ext cx="0" cy="0"/>
+          <a:chOff x="0" y="0"/>
+          <a:chExt cx="0" cy="0"/>
+        </a:xfrm>
+      </p:grpSpPr>
+      <p:sp>
+        <p:nvSpPr>
+          <p:cNvPr id="2" name="Title 1">
+            <a:extLst>
+              <a:ext uri="{FF2B5EF4-FFF2-40B4-BE49-F238E27FC236}">
                 <a16:creationId xmlns:a16="http://schemas.microsoft.com/office/drawing/2014/main" id="{02AAE44B-5DE0-2FB7-5897-E3C0D01E9821}"/>
               </a:ext>
             </a:extLst>
@@ -5256,8 +5544,8 @@
           </a:xfrm>
         </p:spPr>
       </p:pic>
-      <mc:AlternateContent xmlns:mc="http://schemas.openxmlformats.org/markup-compatibility/2006">
-        <mc:Choice xmlns:p14="http://schemas.microsoft.com/office/powerpoint/2010/main" Requires="p14">
+      <mc:AlternateContent xmlns:mc="http://schemas.openxmlformats.org/markup-compatibility/2006" xmlns:p14="http://schemas.microsoft.com/office/powerpoint/2010/main">
+        <mc:Choice Requires="p14">
           <p:contentPart p14:bwMode="auto" r:id="rId4">
             <p14:nvContentPartPr>
               <p14:cNvPr id="7" name="Ink 6">
@@ -5276,7 +5564,7 @@
             </p14:xfrm>
           </p:contentPart>
         </mc:Choice>
-        <mc:Fallback>
+        <mc:Fallback xmlns="">
           <p:pic>
             <p:nvPicPr>
               <p:cNvPr id="7" name="Ink 6">
@@ -5320,7 +5608,7 @@
 </p:sld>
 </file>
 
-<file path=ppt/slides/slide11.xml><?xml version="1.0" encoding="utf-8"?>
+<file path=ppt/slides/slide14.xml><?xml version="1.0" encoding="utf-8"?>
 <p:sld xmlns:a="http://schemas.openxmlformats.org/drawingml/2006/main" xmlns:r="http://schemas.openxmlformats.org/officeDocument/2006/relationships" xmlns:p="http://schemas.openxmlformats.org/presentationml/2006/main">
   <p:cSld>
     <p:spTree>
@@ -5416,7 +5704,7 @@
 </p:sld>
 </file>
 
-<file path=ppt/slides/slide12.xml><?xml version="1.0" encoding="utf-8"?>
+<file path=ppt/slides/slide15.xml><?xml version="1.0" encoding="utf-8"?>
 <p:sld xmlns:a="http://schemas.openxmlformats.org/drawingml/2006/main" xmlns:r="http://schemas.openxmlformats.org/officeDocument/2006/relationships" xmlns:p="http://schemas.openxmlformats.org/presentationml/2006/main">
   <p:cSld>
     <p:spTree>
@@ -5513,7 +5801,7 @@
 </p:sld>
 </file>
 
-<file path=ppt/slides/slide13.xml><?xml version="1.0" encoding="utf-8"?>
+<file path=ppt/slides/slide16.xml><?xml version="1.0" encoding="utf-8"?>
 <p:sld xmlns:a="http://schemas.openxmlformats.org/drawingml/2006/main" xmlns:r="http://schemas.openxmlformats.org/officeDocument/2006/relationships" xmlns:p="http://schemas.openxmlformats.org/presentationml/2006/main">
   <p:cSld>
     <p:spTree>
@@ -6544,7 +6832,7 @@
 </file>
 
 <file path=ppt/slides/slide8.xml><?xml version="1.0" encoding="utf-8"?>
-<p:sld xmlns:a="http://schemas.openxmlformats.org/drawingml/2006/main" xmlns:r="http://schemas.openxmlformats.org/officeDocument/2006/relationships" xmlns:p="http://schemas.openxmlformats.org/presentationml/2006/main">
+<p:sld xmlns:a="http://schemas.openxmlformats.org/drawingml/2006/main" xmlns:r="http://schemas.openxmlformats.org/officeDocument/2006/relationships" xmlns:p="http://schemas.openxmlformats.org/presentationml/2006/main" show="0">
   <p:cSld>
     <p:spTree>
       <p:nvGrpSpPr>
@@ -6565,7 +6853,7 @@
           <p:cNvPr id="2" name="Title 1">
             <a:extLst>
               <a:ext uri="{FF2B5EF4-FFF2-40B4-BE49-F238E27FC236}">
-                <a16:creationId xmlns:a16="http://schemas.microsoft.com/office/drawing/2014/main" id="{D970779F-71DD-15BC-8E30-A3184EF7E541}"/>
+                <a16:creationId xmlns:a16="http://schemas.microsoft.com/office/drawing/2014/main" id="{2B3ED056-9031-FEDA-7749-1475165D8FCC}"/>
               </a:ext>
             </a:extLst>
           </p:cNvPr>
@@ -6581,52 +6869,49 @@
           <a:bodyPr/>
           <a:lstStyle/>
           <a:p>
-            <a:r>
-              <a:rPr lang="en-US" dirty="0"/>
-              <a:t>So, average might be good enough?</a:t>
-            </a:r>
-            <a:endParaRPr lang="en-IL" dirty="0"/>
-          </a:p>
-        </p:txBody>
-      </p:sp>
-      <p:sp>
-        <p:nvSpPr>
-          <p:cNvPr id="3" name="Content Placeholder 2">
-            <a:extLst>
-              <a:ext uri="{FF2B5EF4-FFF2-40B4-BE49-F238E27FC236}">
-                <a16:creationId xmlns:a16="http://schemas.microsoft.com/office/drawing/2014/main" id="{A0ABA58B-2A20-C8A8-92FF-B0677CCA74F6}"/>
-              </a:ext>
-            </a:extLst>
-          </p:cNvPr>
-          <p:cNvSpPr>
-            <a:spLocks noGrp="1"/>
-          </p:cNvSpPr>
+            <a:endParaRPr lang="en-IL"/>
+          </a:p>
+        </p:txBody>
+      </p:sp>
+      <p:pic>
+        <p:nvPicPr>
+          <p:cNvPr id="5" name="Content Placeholder 4" descr="A graph of a number of people&#10;&#10;Description automatically generated with medium confidence">
+            <a:extLst>
+              <a:ext uri="{FF2B5EF4-FFF2-40B4-BE49-F238E27FC236}">
+                <a16:creationId xmlns:a16="http://schemas.microsoft.com/office/drawing/2014/main" id="{2CC60F38-2A28-1944-3DF4-EA99A3C9A46F}"/>
+              </a:ext>
+            </a:extLst>
+          </p:cNvPr>
+          <p:cNvPicPr>
+            <a:picLocks noGrp="1" noChangeAspect="1"/>
+          </p:cNvPicPr>
           <p:nvPr>
             <p:ph idx="1"/>
           </p:nvPr>
-        </p:nvSpPr>
-        <p:spPr/>
-        <p:txBody>
-          <a:bodyPr/>
-          <a:lstStyle/>
-          <a:p>
-            <a:r>
-              <a:rPr lang="en-US" dirty="0"/>
-              <a:t>Not for us!</a:t>
-            </a:r>
-          </a:p>
-          <a:p>
-            <a:endParaRPr lang="en-US" dirty="0"/>
-          </a:p>
-          <a:p>
-            <a:endParaRPr lang="en-US" dirty="0"/>
-          </a:p>
-        </p:txBody>
-      </p:sp>
+        </p:nvPicPr>
+        <p:blipFill>
+          <a:blip r:embed="rId2">
+            <a:extLst>
+              <a:ext uri="{28A0092B-C50C-407E-A947-70E740481C1C}">
+                <a14:useLocalDpi xmlns:a14="http://schemas.microsoft.com/office/drawing/2010/main" val="0"/>
+              </a:ext>
+            </a:extLst>
+          </a:blip>
+          <a:stretch>
+            <a:fillRect/>
+          </a:stretch>
+        </p:blipFill>
+        <p:spPr>
+          <a:xfrm>
+            <a:off x="1299411" y="1985853"/>
+            <a:ext cx="9374605" cy="4507022"/>
+          </a:xfrm>
+        </p:spPr>
+      </p:pic>
     </p:spTree>
     <p:extLst>
       <p:ext uri="{BB962C8B-B14F-4D97-AF65-F5344CB8AC3E}">
-        <p14:creationId xmlns:p14="http://schemas.microsoft.com/office/powerpoint/2010/main" val="3560605210"/>
+        <p14:creationId xmlns:p14="http://schemas.microsoft.com/office/powerpoint/2010/main" val="2722396515"/>
       </p:ext>
     </p:extLst>
   </p:cSld>
@@ -6658,7 +6943,7 @@
           <p:cNvPr id="2" name="Title 1">
             <a:extLst>
               <a:ext uri="{FF2B5EF4-FFF2-40B4-BE49-F238E27FC236}">
-                <a16:creationId xmlns:a16="http://schemas.microsoft.com/office/drawing/2014/main" id="{D643687F-8769-DD81-6DE0-BABA2A4E904C}"/>
+                <a16:creationId xmlns:a16="http://schemas.microsoft.com/office/drawing/2014/main" id="{F783C9C0-EDAF-804E-9E5E-43FD6B237CE7}"/>
               </a:ext>
             </a:extLst>
           </p:cNvPr>
@@ -6674,61 +6959,49 @@
           <a:bodyPr/>
           <a:lstStyle/>
           <a:p>
-            <a:r>
-              <a:rPr lang="en-US" dirty="0"/>
-              <a:t>Time difference between subsequent samples - solutions</a:t>
-            </a:r>
-            <a:endParaRPr lang="en-IL" dirty="0"/>
-          </a:p>
-        </p:txBody>
-      </p:sp>
-      <p:sp>
-        <p:nvSpPr>
-          <p:cNvPr id="3" name="Content Placeholder 2">
-            <a:extLst>
-              <a:ext uri="{FF2B5EF4-FFF2-40B4-BE49-F238E27FC236}">
-                <a16:creationId xmlns:a16="http://schemas.microsoft.com/office/drawing/2014/main" id="{D1E98C5B-6AB8-7D33-9715-3E2F0ED22451}"/>
-              </a:ext>
-            </a:extLst>
-          </p:cNvPr>
-          <p:cNvSpPr>
-            <a:spLocks noGrp="1"/>
-          </p:cNvSpPr>
+            <a:endParaRPr lang="en-IL"/>
+          </a:p>
+        </p:txBody>
+      </p:sp>
+      <p:pic>
+        <p:nvPicPr>
+          <p:cNvPr id="5" name="Content Placeholder 4" descr="A graph of a number of people&#10;&#10;Description automatically generated with medium confidence">
+            <a:extLst>
+              <a:ext uri="{FF2B5EF4-FFF2-40B4-BE49-F238E27FC236}">
+                <a16:creationId xmlns:a16="http://schemas.microsoft.com/office/drawing/2014/main" id="{6E75E047-72E4-A36C-5C32-4A503668C690}"/>
+              </a:ext>
+            </a:extLst>
+          </p:cNvPr>
+          <p:cNvPicPr>
+            <a:picLocks noGrp="1" noChangeAspect="1"/>
+          </p:cNvPicPr>
           <p:nvPr>
             <p:ph idx="1"/>
           </p:nvPr>
-        </p:nvSpPr>
-        <p:spPr/>
-        <p:txBody>
-          <a:bodyPr/>
-          <a:lstStyle/>
-          <a:p>
-            <a:r>
-              <a:rPr lang="en-US" dirty="0"/>
-              <a:t>Time bins – divide the samples into temporal subgroups</a:t>
-            </a:r>
-          </a:p>
-          <a:p>
-            <a:r>
-              <a:rPr lang="en-US" dirty="0"/>
-              <a:t>weights for time difference</a:t>
-            </a:r>
-          </a:p>
-          <a:p>
-            <a:r>
-              <a:rPr lang="en-US" dirty="0"/>
-              <a:t>“Avg sample per baboon” – of samples from the same day </a:t>
-            </a:r>
-          </a:p>
-          <a:p>
-            <a:endParaRPr lang="en-IL" dirty="0"/>
-          </a:p>
-        </p:txBody>
-      </p:sp>
+        </p:nvPicPr>
+        <p:blipFill>
+          <a:blip r:embed="rId2">
+            <a:extLst>
+              <a:ext uri="{28A0092B-C50C-407E-A947-70E740481C1C}">
+                <a14:useLocalDpi xmlns:a14="http://schemas.microsoft.com/office/drawing/2010/main" val="0"/>
+              </a:ext>
+            </a:extLst>
+          </a:blip>
+          <a:stretch>
+            <a:fillRect/>
+          </a:stretch>
+        </p:blipFill>
+        <p:spPr>
+          <a:xfrm>
+            <a:off x="1174640" y="1905177"/>
+            <a:ext cx="9842720" cy="4732077"/>
+          </a:xfrm>
+        </p:spPr>
+      </p:pic>
     </p:spTree>
     <p:extLst>
       <p:ext uri="{BB962C8B-B14F-4D97-AF65-F5344CB8AC3E}">
-        <p14:creationId xmlns:p14="http://schemas.microsoft.com/office/powerpoint/2010/main" val="238266048"/>
+        <p14:creationId xmlns:p14="http://schemas.microsoft.com/office/powerpoint/2010/main" val="1697136242"/>
       </p:ext>
     </p:extLst>
   </p:cSld>

--- a/Milestone 1.pptx
+++ b/Milestone 1.pptx
@@ -5,25 +5,26 @@
     <p:sldMasterId id="2147483648" r:id="rId1"/>
   </p:sldMasterIdLst>
   <p:notesMasterIdLst>
-    <p:notesMasterId r:id="rId18"/>
+    <p:notesMasterId r:id="rId19"/>
   </p:notesMasterIdLst>
   <p:sldIdLst>
     <p:sldId id="256" r:id="rId2"/>
     <p:sldId id="260" r:id="rId3"/>
     <p:sldId id="257" r:id="rId4"/>
-    <p:sldId id="265" r:id="rId5"/>
-    <p:sldId id="261" r:id="rId6"/>
-    <p:sldId id="266" r:id="rId7"/>
-    <p:sldId id="267" r:id="rId8"/>
-    <p:sldId id="269" r:id="rId9"/>
-    <p:sldId id="271" r:id="rId10"/>
-    <p:sldId id="270" r:id="rId11"/>
-    <p:sldId id="268" r:id="rId12"/>
-    <p:sldId id="264" r:id="rId13"/>
-    <p:sldId id="259" r:id="rId14"/>
-    <p:sldId id="258" r:id="rId15"/>
-    <p:sldId id="262" r:id="rId16"/>
-    <p:sldId id="263" r:id="rId17"/>
+    <p:sldId id="272" r:id="rId5"/>
+    <p:sldId id="265" r:id="rId6"/>
+    <p:sldId id="261" r:id="rId7"/>
+    <p:sldId id="266" r:id="rId8"/>
+    <p:sldId id="267" r:id="rId9"/>
+    <p:sldId id="269" r:id="rId10"/>
+    <p:sldId id="271" r:id="rId11"/>
+    <p:sldId id="270" r:id="rId12"/>
+    <p:sldId id="268" r:id="rId13"/>
+    <p:sldId id="264" r:id="rId14"/>
+    <p:sldId id="259" r:id="rId15"/>
+    <p:sldId id="258" r:id="rId16"/>
+    <p:sldId id="262" r:id="rId17"/>
+    <p:sldId id="263" r:id="rId18"/>
   </p:sldIdLst>
   <p:sldSz cx="12192000" cy="6858000"/>
   <p:notesSz cx="6858000" cy="9144000"/>
@@ -1127,7 +1128,7 @@
           <a:p>
             <a:fld id="{1953AF5B-F3A6-48BF-9D5A-53DBBACACE09}" type="slidenum">
               <a:rPr lang="he-IL" smtClean="0"/>
-              <a:t>4</a:t>
+              <a:t>5</a:t>
             </a:fld>
             <a:endParaRPr lang="he-IL"/>
           </a:p>
@@ -1211,7 +1212,7 @@
           <a:p>
             <a:fld id="{1953AF5B-F3A6-48BF-9D5A-53DBBACACE09}" type="slidenum">
               <a:rPr lang="he-IL" smtClean="0"/>
-              <a:t>5</a:t>
+              <a:t>6</a:t>
             </a:fld>
             <a:endParaRPr lang="he-IL"/>
           </a:p>
@@ -1359,7 +1360,7 @@
           <a:p>
             <a:fld id="{1953AF5B-F3A6-48BF-9D5A-53DBBACACE09}" type="slidenum">
               <a:rPr lang="he-IL" smtClean="0"/>
-              <a:t>6</a:t>
+              <a:t>7</a:t>
             </a:fld>
             <a:endParaRPr lang="he-IL"/>
           </a:p>
@@ -1466,7 +1467,7 @@
           <a:p>
             <a:fld id="{1953AF5B-F3A6-48BF-9D5A-53DBBACACE09}" type="slidenum">
               <a:rPr lang="he-IL" smtClean="0"/>
-              <a:t>7</a:t>
+              <a:t>8</a:t>
             </a:fld>
             <a:endParaRPr lang="he-IL"/>
           </a:p>
@@ -1550,7 +1551,7 @@
           <a:p>
             <a:fld id="{1953AF5B-F3A6-48BF-9D5A-53DBBACACE09}" type="slidenum">
               <a:rPr lang="he-IL" smtClean="0"/>
-              <a:t>13</a:t>
+              <a:t>14</a:t>
             </a:fld>
             <a:endParaRPr lang="he-IL"/>
           </a:p>
@@ -1634,7 +1635,7 @@
           <a:p>
             <a:fld id="{1953AF5B-F3A6-48BF-9D5A-53DBBACACE09}" type="slidenum">
               <a:rPr lang="he-IL" smtClean="0"/>
-              <a:t>15</a:t>
+              <a:t>16</a:t>
             </a:fld>
             <a:endParaRPr lang="he-IL"/>
           </a:p>
@@ -5199,6 +5200,96 @@
           <p:cNvPr id="2" name="Title 1">
             <a:extLst>
               <a:ext uri="{FF2B5EF4-FFF2-40B4-BE49-F238E27FC236}">
+                <a16:creationId xmlns:a16="http://schemas.microsoft.com/office/drawing/2014/main" id="{F783C9C0-EDAF-804E-9E5E-43FD6B237CE7}"/>
+              </a:ext>
+            </a:extLst>
+          </p:cNvPr>
+          <p:cNvSpPr>
+            <a:spLocks noGrp="1"/>
+          </p:cNvSpPr>
+          <p:nvPr>
+            <p:ph type="title"/>
+          </p:nvPr>
+        </p:nvSpPr>
+        <p:spPr/>
+        <p:txBody>
+          <a:bodyPr/>
+          <a:lstStyle/>
+          <a:p>
+            <a:endParaRPr lang="en-IL"/>
+          </a:p>
+        </p:txBody>
+      </p:sp>
+      <p:pic>
+        <p:nvPicPr>
+          <p:cNvPr id="5" name="Content Placeholder 4" descr="A graph of a number of people&#10;&#10;Description automatically generated with medium confidence">
+            <a:extLst>
+              <a:ext uri="{FF2B5EF4-FFF2-40B4-BE49-F238E27FC236}">
+                <a16:creationId xmlns:a16="http://schemas.microsoft.com/office/drawing/2014/main" id="{6E75E047-72E4-A36C-5C32-4A503668C690}"/>
+              </a:ext>
+            </a:extLst>
+          </p:cNvPr>
+          <p:cNvPicPr>
+            <a:picLocks noGrp="1" noChangeAspect="1"/>
+          </p:cNvPicPr>
+          <p:nvPr>
+            <p:ph idx="1"/>
+          </p:nvPr>
+        </p:nvPicPr>
+        <p:blipFill>
+          <a:blip r:embed="rId2">
+            <a:extLst>
+              <a:ext uri="{28A0092B-C50C-407E-A947-70E740481C1C}">
+                <a14:useLocalDpi xmlns:a14="http://schemas.microsoft.com/office/drawing/2010/main" val="0"/>
+              </a:ext>
+            </a:extLst>
+          </a:blip>
+          <a:stretch>
+            <a:fillRect/>
+          </a:stretch>
+        </p:blipFill>
+        <p:spPr>
+          <a:xfrm>
+            <a:off x="1174640" y="1905177"/>
+            <a:ext cx="9842720" cy="4732077"/>
+          </a:xfrm>
+        </p:spPr>
+      </p:pic>
+    </p:spTree>
+    <p:extLst>
+      <p:ext uri="{BB962C8B-B14F-4D97-AF65-F5344CB8AC3E}">
+        <p14:creationId xmlns:p14="http://schemas.microsoft.com/office/powerpoint/2010/main" val="1697136242"/>
+      </p:ext>
+    </p:extLst>
+  </p:cSld>
+  <p:clrMapOvr>
+    <a:masterClrMapping/>
+  </p:clrMapOvr>
+</p:sld>
+</file>
+
+<file path=ppt/slides/slide11.xml><?xml version="1.0" encoding="utf-8"?>
+<p:sld xmlns:a="http://schemas.openxmlformats.org/drawingml/2006/main" xmlns:r="http://schemas.openxmlformats.org/officeDocument/2006/relationships" xmlns:p="http://schemas.openxmlformats.org/presentationml/2006/main" show="0">
+  <p:cSld>
+    <p:spTree>
+      <p:nvGrpSpPr>
+        <p:cNvPr id="1" name=""/>
+        <p:cNvGrpSpPr/>
+        <p:nvPr/>
+      </p:nvGrpSpPr>
+      <p:grpSpPr>
+        <a:xfrm>
+          <a:off x="0" y="0"/>
+          <a:ext cx="0" cy="0"/>
+          <a:chOff x="0" y="0"/>
+          <a:chExt cx="0" cy="0"/>
+        </a:xfrm>
+      </p:grpSpPr>
+      <p:sp>
+        <p:nvSpPr>
+          <p:cNvPr id="2" name="Title 1">
+            <a:extLst>
+              <a:ext uri="{FF2B5EF4-FFF2-40B4-BE49-F238E27FC236}">
                 <a16:creationId xmlns:a16="http://schemas.microsoft.com/office/drawing/2014/main" id="{218F124A-FB24-4A45-6ADC-80835792F4D6}"/>
               </a:ext>
             </a:extLst>
@@ -5267,7 +5358,7 @@
 </p:sld>
 </file>
 
-<file path=ppt/slides/slide11.xml><?xml version="1.0" encoding="utf-8"?>
+<file path=ppt/slides/slide12.xml><?xml version="1.0" encoding="utf-8"?>
 <p:sld xmlns:a="http://schemas.openxmlformats.org/drawingml/2006/main" xmlns:r="http://schemas.openxmlformats.org/officeDocument/2006/relationships" xmlns:p="http://schemas.openxmlformats.org/presentationml/2006/main">
   <p:cSld>
     <p:spTree>
@@ -5360,7 +5451,7 @@
 </p:sld>
 </file>
 
-<file path=ppt/slides/slide12.xml><?xml version="1.0" encoding="utf-8"?>
+<file path=ppt/slides/slide13.xml><?xml version="1.0" encoding="utf-8"?>
 <p:sld xmlns:a="http://schemas.openxmlformats.org/drawingml/2006/main" xmlns:r="http://schemas.openxmlformats.org/officeDocument/2006/relationships" xmlns:p="http://schemas.openxmlformats.org/presentationml/2006/main" show="0">
   <p:cSld>
     <p:spTree>
@@ -5462,7 +5553,7 @@
 </p:sld>
 </file>
 
-<file path=ppt/slides/slide13.xml><?xml version="1.0" encoding="utf-8"?>
+<file path=ppt/slides/slide14.xml><?xml version="1.0" encoding="utf-8"?>
 <p:sld xmlns:a="http://schemas.openxmlformats.org/drawingml/2006/main" xmlns:r="http://schemas.openxmlformats.org/officeDocument/2006/relationships" xmlns:p="http://schemas.openxmlformats.org/presentationml/2006/main">
   <p:cSld>
     <p:spTree>
@@ -5608,7 +5699,7 @@
 </p:sld>
 </file>
 
-<file path=ppt/slides/slide14.xml><?xml version="1.0" encoding="utf-8"?>
+<file path=ppt/slides/slide15.xml><?xml version="1.0" encoding="utf-8"?>
 <p:sld xmlns:a="http://schemas.openxmlformats.org/drawingml/2006/main" xmlns:r="http://schemas.openxmlformats.org/officeDocument/2006/relationships" xmlns:p="http://schemas.openxmlformats.org/presentationml/2006/main">
   <p:cSld>
     <p:spTree>
@@ -5704,7 +5795,7 @@
 </p:sld>
 </file>
 
-<file path=ppt/slides/slide15.xml><?xml version="1.0" encoding="utf-8"?>
+<file path=ppt/slides/slide16.xml><?xml version="1.0" encoding="utf-8"?>
 <p:sld xmlns:a="http://schemas.openxmlformats.org/drawingml/2006/main" xmlns:r="http://schemas.openxmlformats.org/officeDocument/2006/relationships" xmlns:p="http://schemas.openxmlformats.org/presentationml/2006/main">
   <p:cSld>
     <p:spTree>
@@ -5801,7 +5892,7 @@
 </p:sld>
 </file>
 
-<file path=ppt/slides/slide16.xml><?xml version="1.0" encoding="utf-8"?>
+<file path=ppt/slides/slide17.xml><?xml version="1.0" encoding="utf-8"?>
 <p:sld xmlns:a="http://schemas.openxmlformats.org/drawingml/2006/main" xmlns:r="http://schemas.openxmlformats.org/officeDocument/2006/relationships" xmlns:p="http://schemas.openxmlformats.org/presentationml/2006/main">
   <p:cSld>
     <p:spTree>
@@ -5960,20 +6051,32 @@
           <a:p>
             <a:r>
               <a:rPr lang="en-US" dirty="0"/>
-              <a:t>The data – size, features</a:t>
+              <a:t>Data overview</a:t>
             </a:r>
           </a:p>
           <a:p>
             <a:r>
               <a:rPr lang="en-US" dirty="0"/>
-              <a:t>Wet/Dry, Female/Male </a:t>
+              <a:t>Dealing with temporal data</a:t>
             </a:r>
           </a:p>
           <a:p>
             <a:r>
               <a:rPr lang="en-US" dirty="0"/>
-              <a:t>Problems in the data – large time </a:t>
-            </a:r>
+              <a:t>Features significance - Wet/Dry, Female/Male </a:t>
+            </a:r>
+          </a:p>
+          <a:p>
+            <a:r>
+              <a:rPr lang="en-US" dirty="0"/>
+              <a:t>Clustering</a:t>
+            </a:r>
+          </a:p>
+          <a:p>
+            <a:endParaRPr lang="en-US" dirty="0"/>
+          </a:p>
+          <a:p>
+            <a:endParaRPr lang="en-US" dirty="0"/>
           </a:p>
           <a:p>
             <a:endParaRPr lang="en-IL" dirty="0"/>
@@ -6314,6 +6417,106 @@
           <p:cNvPr id="2" name="Title 1">
             <a:extLst>
               <a:ext uri="{FF2B5EF4-FFF2-40B4-BE49-F238E27FC236}">
+                <a16:creationId xmlns:a16="http://schemas.microsoft.com/office/drawing/2014/main" id="{F5A2688B-1B86-D88C-AF5F-A4B0CE09BE0C}"/>
+              </a:ext>
+            </a:extLst>
+          </p:cNvPr>
+          <p:cNvSpPr>
+            <a:spLocks noGrp="1"/>
+          </p:cNvSpPr>
+          <p:nvPr>
+            <p:ph type="title"/>
+          </p:nvPr>
+        </p:nvSpPr>
+        <p:spPr/>
+        <p:txBody>
+          <a:bodyPr/>
+          <a:lstStyle/>
+          <a:p>
+            <a:r>
+              <a:rPr lang="he-IL" dirty="0"/>
+              <a:t>להוסיף – כמות </a:t>
+            </a:r>
+            <a:r>
+              <a:rPr lang="he-IL" dirty="0" err="1"/>
+              <a:t>דאטא</a:t>
+            </a:r>
+            <a:r>
+              <a:rPr lang="he-IL" dirty="0"/>
+              <a:t> בין זכרים לנקבות, כמות </a:t>
+            </a:r>
+            <a:r>
+              <a:rPr lang="he-IL" dirty="0" err="1"/>
+              <a:t>דאטא</a:t>
+            </a:r>
+            <a:r>
+              <a:rPr lang="he-IL" dirty="0"/>
+              <a:t> בין חודשים/ עונות</a:t>
+            </a:r>
+            <a:endParaRPr lang="en-IL" dirty="0"/>
+          </a:p>
+        </p:txBody>
+      </p:sp>
+      <p:sp>
+        <p:nvSpPr>
+          <p:cNvPr id="3" name="Content Placeholder 2">
+            <a:extLst>
+              <a:ext uri="{FF2B5EF4-FFF2-40B4-BE49-F238E27FC236}">
+                <a16:creationId xmlns:a16="http://schemas.microsoft.com/office/drawing/2014/main" id="{F6D1AE74-BB71-1576-BB8E-9ECC41922078}"/>
+              </a:ext>
+            </a:extLst>
+          </p:cNvPr>
+          <p:cNvSpPr>
+            <a:spLocks noGrp="1"/>
+          </p:cNvSpPr>
+          <p:nvPr>
+            <p:ph idx="1"/>
+          </p:nvPr>
+        </p:nvSpPr>
+        <p:spPr/>
+        <p:txBody>
+          <a:bodyPr/>
+          <a:lstStyle/>
+          <a:p>
+            <a:endParaRPr lang="en-IL"/>
+          </a:p>
+        </p:txBody>
+      </p:sp>
+    </p:spTree>
+    <p:extLst>
+      <p:ext uri="{BB962C8B-B14F-4D97-AF65-F5344CB8AC3E}">
+        <p14:creationId xmlns:p14="http://schemas.microsoft.com/office/powerpoint/2010/main" val="2047319600"/>
+      </p:ext>
+    </p:extLst>
+  </p:cSld>
+  <p:clrMapOvr>
+    <a:masterClrMapping/>
+  </p:clrMapOvr>
+</p:sld>
+</file>
+
+<file path=ppt/slides/slide5.xml><?xml version="1.0" encoding="utf-8"?>
+<p:sld xmlns:a="http://schemas.openxmlformats.org/drawingml/2006/main" xmlns:r="http://schemas.openxmlformats.org/officeDocument/2006/relationships" xmlns:p="http://schemas.openxmlformats.org/presentationml/2006/main">
+  <p:cSld>
+    <p:spTree>
+      <p:nvGrpSpPr>
+        <p:cNvPr id="1" name=""/>
+        <p:cNvGrpSpPr/>
+        <p:nvPr/>
+      </p:nvGrpSpPr>
+      <p:grpSpPr>
+        <a:xfrm>
+          <a:off x="0" y="0"/>
+          <a:ext cx="0" cy="0"/>
+          <a:chOff x="0" y="0"/>
+          <a:chExt cx="0" cy="0"/>
+        </a:xfrm>
+      </p:grpSpPr>
+      <p:sp>
+        <p:nvSpPr>
+          <p:cNvPr id="2" name="Title 1">
+            <a:extLst>
+              <a:ext uri="{FF2B5EF4-FFF2-40B4-BE49-F238E27FC236}">
                 <a16:creationId xmlns:a16="http://schemas.microsoft.com/office/drawing/2014/main" id="{22AEC167-D29E-AE75-57DA-B7DBA103C59D}"/>
               </a:ext>
             </a:extLst>
@@ -6332,7 +6535,7 @@
           <a:p>
             <a:r>
               <a:rPr lang="en-US" dirty="0"/>
-              <a:t>Difference between sample from the same day</a:t>
+              <a:t>Distances between samples from the same day</a:t>
             </a:r>
             <a:endParaRPr lang="en-IL" dirty="0"/>
           </a:p>
@@ -6386,7 +6589,7 @@
 </p:sld>
 </file>
 
-<file path=ppt/slides/slide5.xml><?xml version="1.0" encoding="utf-8"?>
+<file path=ppt/slides/slide6.xml><?xml version="1.0" encoding="utf-8"?>
 <p:sld xmlns:a="http://schemas.openxmlformats.org/drawingml/2006/main" xmlns:r="http://schemas.openxmlformats.org/officeDocument/2006/relationships" xmlns:p="http://schemas.openxmlformats.org/presentationml/2006/main">
   <p:cSld>
     <p:spTree>
@@ -6649,7 +6852,7 @@
 </p:sld>
 </file>
 
-<file path=ppt/slides/slide6.xml><?xml version="1.0" encoding="utf-8"?>
+<file path=ppt/slides/slide7.xml><?xml version="1.0" encoding="utf-8"?>
 <p:sld xmlns:a="http://schemas.openxmlformats.org/drawingml/2006/main" xmlns:r="http://schemas.openxmlformats.org/officeDocument/2006/relationships" xmlns:p="http://schemas.openxmlformats.org/presentationml/2006/main">
   <p:cSld>
     <p:spTree>
@@ -6743,7 +6946,7 @@
 </p:sld>
 </file>
 
-<file path=ppt/slides/slide7.xml><?xml version="1.0" encoding="utf-8"?>
+<file path=ppt/slides/slide8.xml><?xml version="1.0" encoding="utf-8"?>
 <p:sld xmlns:a="http://schemas.openxmlformats.org/drawingml/2006/main" xmlns:r="http://schemas.openxmlformats.org/officeDocument/2006/relationships" xmlns:p="http://schemas.openxmlformats.org/presentationml/2006/main">
   <p:cSld>
     <p:spTree>
@@ -6822,96 +7025,6 @@
     <p:extLst>
       <p:ext uri="{BB962C8B-B14F-4D97-AF65-F5344CB8AC3E}">
         <p14:creationId xmlns:p14="http://schemas.microsoft.com/office/powerpoint/2010/main" val="2754993977"/>
-      </p:ext>
-    </p:extLst>
-  </p:cSld>
-  <p:clrMapOvr>
-    <a:masterClrMapping/>
-  </p:clrMapOvr>
-</p:sld>
-</file>
-
-<file path=ppt/slides/slide8.xml><?xml version="1.0" encoding="utf-8"?>
-<p:sld xmlns:a="http://schemas.openxmlformats.org/drawingml/2006/main" xmlns:r="http://schemas.openxmlformats.org/officeDocument/2006/relationships" xmlns:p="http://schemas.openxmlformats.org/presentationml/2006/main" show="0">
-  <p:cSld>
-    <p:spTree>
-      <p:nvGrpSpPr>
-        <p:cNvPr id="1" name=""/>
-        <p:cNvGrpSpPr/>
-        <p:nvPr/>
-      </p:nvGrpSpPr>
-      <p:grpSpPr>
-        <a:xfrm>
-          <a:off x="0" y="0"/>
-          <a:ext cx="0" cy="0"/>
-          <a:chOff x="0" y="0"/>
-          <a:chExt cx="0" cy="0"/>
-        </a:xfrm>
-      </p:grpSpPr>
-      <p:sp>
-        <p:nvSpPr>
-          <p:cNvPr id="2" name="Title 1">
-            <a:extLst>
-              <a:ext uri="{FF2B5EF4-FFF2-40B4-BE49-F238E27FC236}">
-                <a16:creationId xmlns:a16="http://schemas.microsoft.com/office/drawing/2014/main" id="{2B3ED056-9031-FEDA-7749-1475165D8FCC}"/>
-              </a:ext>
-            </a:extLst>
-          </p:cNvPr>
-          <p:cNvSpPr>
-            <a:spLocks noGrp="1"/>
-          </p:cNvSpPr>
-          <p:nvPr>
-            <p:ph type="title"/>
-          </p:nvPr>
-        </p:nvSpPr>
-        <p:spPr/>
-        <p:txBody>
-          <a:bodyPr/>
-          <a:lstStyle/>
-          <a:p>
-            <a:endParaRPr lang="en-IL"/>
-          </a:p>
-        </p:txBody>
-      </p:sp>
-      <p:pic>
-        <p:nvPicPr>
-          <p:cNvPr id="5" name="Content Placeholder 4" descr="A graph of a number of people&#10;&#10;Description automatically generated with medium confidence">
-            <a:extLst>
-              <a:ext uri="{FF2B5EF4-FFF2-40B4-BE49-F238E27FC236}">
-                <a16:creationId xmlns:a16="http://schemas.microsoft.com/office/drawing/2014/main" id="{2CC60F38-2A28-1944-3DF4-EA99A3C9A46F}"/>
-              </a:ext>
-            </a:extLst>
-          </p:cNvPr>
-          <p:cNvPicPr>
-            <a:picLocks noGrp="1" noChangeAspect="1"/>
-          </p:cNvPicPr>
-          <p:nvPr>
-            <p:ph idx="1"/>
-          </p:nvPr>
-        </p:nvPicPr>
-        <p:blipFill>
-          <a:blip r:embed="rId2">
-            <a:extLst>
-              <a:ext uri="{28A0092B-C50C-407E-A947-70E740481C1C}">
-                <a14:useLocalDpi xmlns:a14="http://schemas.microsoft.com/office/drawing/2010/main" val="0"/>
-              </a:ext>
-            </a:extLst>
-          </a:blip>
-          <a:stretch>
-            <a:fillRect/>
-          </a:stretch>
-        </p:blipFill>
-        <p:spPr>
-          <a:xfrm>
-            <a:off x="1299411" y="1985853"/>
-            <a:ext cx="9374605" cy="4507022"/>
-          </a:xfrm>
-        </p:spPr>
-      </p:pic>
-    </p:spTree>
-    <p:extLst>
-      <p:ext uri="{BB962C8B-B14F-4D97-AF65-F5344CB8AC3E}">
-        <p14:creationId xmlns:p14="http://schemas.microsoft.com/office/powerpoint/2010/main" val="2722396515"/>
       </p:ext>
     </p:extLst>
   </p:cSld>
@@ -6943,7 +7056,7 @@
           <p:cNvPr id="2" name="Title 1">
             <a:extLst>
               <a:ext uri="{FF2B5EF4-FFF2-40B4-BE49-F238E27FC236}">
-                <a16:creationId xmlns:a16="http://schemas.microsoft.com/office/drawing/2014/main" id="{F783C9C0-EDAF-804E-9E5E-43FD6B237CE7}"/>
+                <a16:creationId xmlns:a16="http://schemas.microsoft.com/office/drawing/2014/main" id="{2B3ED056-9031-FEDA-7749-1475165D8FCC}"/>
               </a:ext>
             </a:extLst>
           </p:cNvPr>
@@ -6968,7 +7081,7 @@
           <p:cNvPr id="5" name="Content Placeholder 4" descr="A graph of a number of people&#10;&#10;Description automatically generated with medium confidence">
             <a:extLst>
               <a:ext uri="{FF2B5EF4-FFF2-40B4-BE49-F238E27FC236}">
-                <a16:creationId xmlns:a16="http://schemas.microsoft.com/office/drawing/2014/main" id="{6E75E047-72E4-A36C-5C32-4A503668C690}"/>
+                <a16:creationId xmlns:a16="http://schemas.microsoft.com/office/drawing/2014/main" id="{2CC60F38-2A28-1944-3DF4-EA99A3C9A46F}"/>
               </a:ext>
             </a:extLst>
           </p:cNvPr>
@@ -6993,15 +7106,15 @@
         </p:blipFill>
         <p:spPr>
           <a:xfrm>
-            <a:off x="1174640" y="1905177"/>
-            <a:ext cx="9842720" cy="4732077"/>
+            <a:off x="1299411" y="1985853"/>
+            <a:ext cx="9374605" cy="4507022"/>
           </a:xfrm>
         </p:spPr>
       </p:pic>
     </p:spTree>
     <p:extLst>
       <p:ext uri="{BB962C8B-B14F-4D97-AF65-F5344CB8AC3E}">
-        <p14:creationId xmlns:p14="http://schemas.microsoft.com/office/powerpoint/2010/main" val="1697136242"/>
+        <p14:creationId xmlns:p14="http://schemas.microsoft.com/office/powerpoint/2010/main" val="2722396515"/>
       </p:ext>
     </p:extLst>
   </p:cSld>

--- a/Milestone 1.pptx
+++ b/Milestone 1.pptx
@@ -5,7 +5,7 @@
     <p:sldMasterId id="2147483648" r:id="rId1"/>
   </p:sldMasterIdLst>
   <p:notesMasterIdLst>
-    <p:notesMasterId r:id="rId19"/>
+    <p:notesMasterId r:id="rId20"/>
   </p:notesMasterIdLst>
   <p:sldIdLst>
     <p:sldId id="256" r:id="rId2"/>
@@ -24,7 +24,8 @@
     <p:sldId id="259" r:id="rId15"/>
     <p:sldId id="258" r:id="rId16"/>
     <p:sldId id="262" r:id="rId17"/>
-    <p:sldId id="263" r:id="rId18"/>
+    <p:sldId id="273" r:id="rId18"/>
+    <p:sldId id="263" r:id="rId19"/>
   </p:sldIdLst>
   <p:sldSz cx="12192000" cy="6858000"/>
   <p:notesSz cx="6858000" cy="9144000"/>
@@ -242,7 +243,7 @@
           <a:p>
             <a:fld id="{E3B19E15-807E-4448-8252-3FAE93D1E26B}" type="datetimeFigureOut">
               <a:rPr lang="he-IL" smtClean="0"/>
-              <a:t>ט'/תמוז/תשפ"ד</a:t>
+              <a:t>י'/תמוז/תשפ"ד</a:t>
             </a:fld>
             <a:endParaRPr lang="he-IL"/>
           </a:p>
@@ -1107,6 +1108,30 @@
               <a:rPr lang="he-IL" dirty="0"/>
               <a:t> או זיהומים בתהליך האיסוף</a:t>
             </a:r>
+            <a:endParaRPr lang="en-US" dirty="0"/>
+          </a:p>
+          <a:p>
+            <a:pPr algn="r"/>
+            <a:r>
+              <a:rPr lang="he-IL" dirty="0"/>
+              <a:t>נראה כי לדגימות באותו יום מטא-</a:t>
+            </a:r>
+            <a:r>
+              <a:rPr lang="he-IL" dirty="0" err="1"/>
+              <a:t>דאטא</a:t>
+            </a:r>
+            <a:r>
+              <a:rPr lang="he-IL" dirty="0"/>
+              <a:t> זהה לחלוטין (כלומר גם עבור דיאטה), לכן למרות שעשויים להיות שינויים </a:t>
+            </a:r>
+            <a:r>
+              <a:rPr lang="he-IL" dirty="0" err="1"/>
+              <a:t>במיקרוביום</a:t>
+            </a:r>
+            <a:r>
+              <a:rPr lang="he-IL" dirty="0"/>
+              <a:t>, זה לא משהו שאנחנו ננסה לחזות ברזולוציה כזו.</a:t>
+            </a:r>
             <a:endParaRPr lang="en-IL" dirty="0"/>
           </a:p>
         </p:txBody>
@@ -1285,15 +1310,7 @@
             <a:pPr algn="r" rtl="1"/>
             <a:r>
               <a:rPr lang="he-IL" dirty="0"/>
-              <a:t>עבור כל בבון חישבנו את הדגימה </a:t>
-            </a:r>
-            <a:r>
-              <a:rPr lang="he-IL" dirty="0" err="1"/>
-              <a:t>ההממוצעת</a:t>
-            </a:r>
-            <a:r>
-              <a:rPr lang="he-IL" dirty="0"/>
-              <a:t>, ולאחר מכן חישבנו מרחק </a:t>
+              <a:t>עבור כל בבון חישבנו את הממוצע של כל הדגימות הקודמות, ולאחר מכן חישבנו מרחק </a:t>
             </a:r>
             <a:r>
               <a:rPr lang="en-US" dirty="0"/>
@@ -1305,22 +1322,14 @@
             </a:r>
             <a:r>
               <a:rPr lang="he-IL" dirty="0"/>
-              <a:t> מכל דגימה של הבבון לדגימה הממוצעת</a:t>
+              <a:t> מדגימה זו לממוצע הרלוונטי.</a:t>
             </a:r>
           </a:p>
           <a:p>
             <a:pPr algn="r" rtl="1"/>
             <a:r>
               <a:rPr lang="he-IL" dirty="0"/>
-              <a:t>כל המרחקים של כל הבבונים </a:t>
-            </a:r>
-            <a:r>
-              <a:rPr lang="he-IL" dirty="0" err="1"/>
-              <a:t>מתואים</a:t>
-            </a:r>
-            <a:r>
-              <a:rPr lang="he-IL" dirty="0"/>
-              <a:t> בגרף</a:t>
+              <a:t>כל המרחקים של כל הבבונים מתוארים בגרף.</a:t>
             </a:r>
           </a:p>
           <a:p>
@@ -1645,6 +1654,95 @@
     <p:extLst>
       <p:ext uri="{BB962C8B-B14F-4D97-AF65-F5344CB8AC3E}">
         <p14:creationId xmlns:p14="http://schemas.microsoft.com/office/powerpoint/2010/main" val="1405160873"/>
+      </p:ext>
+    </p:extLst>
+  </p:cSld>
+  <p:clrMapOvr>
+    <a:masterClrMapping/>
+  </p:clrMapOvr>
+</p:notes>
+</file>
+
+<file path=ppt/notesSlides/notesSlide9.xml><?xml version="1.0" encoding="utf-8"?>
+<p:notes xmlns:a="http://schemas.openxmlformats.org/drawingml/2006/main" xmlns:r="http://schemas.openxmlformats.org/officeDocument/2006/relationships" xmlns:p="http://schemas.openxmlformats.org/presentationml/2006/main">
+  <p:cSld>
+    <p:spTree>
+      <p:nvGrpSpPr>
+        <p:cNvPr id="1" name=""/>
+        <p:cNvGrpSpPr/>
+        <p:nvPr/>
+      </p:nvGrpSpPr>
+      <p:grpSpPr>
+        <a:xfrm>
+          <a:off x="0" y="0"/>
+          <a:ext cx="0" cy="0"/>
+          <a:chOff x="0" y="0"/>
+          <a:chExt cx="0" cy="0"/>
+        </a:xfrm>
+      </p:grpSpPr>
+      <p:sp>
+        <p:nvSpPr>
+          <p:cNvPr id="2" name="Slide Image Placeholder 1"/>
+          <p:cNvSpPr>
+            <a:spLocks noGrp="1" noRot="1" noChangeAspect="1"/>
+          </p:cNvSpPr>
+          <p:nvPr>
+            <p:ph type="sldImg"/>
+          </p:nvPr>
+        </p:nvSpPr>
+        <p:spPr/>
+      </p:sp>
+      <p:sp>
+        <p:nvSpPr>
+          <p:cNvPr id="3" name="Notes Placeholder 2"/>
+          <p:cNvSpPr>
+            <a:spLocks noGrp="1"/>
+          </p:cNvSpPr>
+          <p:nvPr>
+            <p:ph type="body" idx="1"/>
+          </p:nvPr>
+        </p:nvSpPr>
+        <p:spPr/>
+        <p:txBody>
+          <a:bodyPr/>
+          <a:lstStyle/>
+          <a:p>
+            <a:pPr algn="r" rtl="1"/>
+            <a:r>
+              <a:rPr lang="he-IL" dirty="0"/>
+              <a:t>מיקוד בחיזוי מורכב רק עבור ה-6, עבור שאר החיידקים – אולי ניתן להסתפק במודל פשוט</a:t>
+            </a:r>
+            <a:endParaRPr lang="en-IL" dirty="0"/>
+          </a:p>
+        </p:txBody>
+      </p:sp>
+      <p:sp>
+        <p:nvSpPr>
+          <p:cNvPr id="4" name="Slide Number Placeholder 3"/>
+          <p:cNvSpPr>
+            <a:spLocks noGrp="1"/>
+          </p:cNvSpPr>
+          <p:nvPr>
+            <p:ph type="sldNum" sz="quarter" idx="5"/>
+          </p:nvPr>
+        </p:nvSpPr>
+        <p:spPr/>
+        <p:txBody>
+          <a:bodyPr/>
+          <a:lstStyle/>
+          <a:p>
+            <a:fld id="{1953AF5B-F3A6-48BF-9D5A-53DBBACACE09}" type="slidenum">
+              <a:rPr lang="he-IL" smtClean="0"/>
+              <a:t>17</a:t>
+            </a:fld>
+            <a:endParaRPr lang="he-IL"/>
+          </a:p>
+        </p:txBody>
+      </p:sp>
+    </p:spTree>
+    <p:extLst>
+      <p:ext uri="{BB962C8B-B14F-4D97-AF65-F5344CB8AC3E}">
+        <p14:creationId xmlns:p14="http://schemas.microsoft.com/office/powerpoint/2010/main" val="2556935683"/>
       </p:ext>
     </p:extLst>
   </p:cSld>
@@ -1803,7 +1901,7 @@
           <a:p>
             <a:fld id="{BD9CB361-BAEB-499F-9012-48A2D14050D0}" type="datetimeFigureOut">
               <a:rPr lang="he-IL" smtClean="0"/>
-              <a:t>ט'/תמוז/תשפ"ד</a:t>
+              <a:t>י'/תמוז/תשפ"ד</a:t>
             </a:fld>
             <a:endParaRPr lang="he-IL"/>
           </a:p>
@@ -2003,7 +2101,7 @@
           <a:p>
             <a:fld id="{BD9CB361-BAEB-499F-9012-48A2D14050D0}" type="datetimeFigureOut">
               <a:rPr lang="he-IL" smtClean="0"/>
-              <a:t>ט'/תמוז/תשפ"ד</a:t>
+              <a:t>י'/תמוז/תשפ"ד</a:t>
             </a:fld>
             <a:endParaRPr lang="he-IL"/>
           </a:p>
@@ -2213,7 +2311,7 @@
           <a:p>
             <a:fld id="{BD9CB361-BAEB-499F-9012-48A2D14050D0}" type="datetimeFigureOut">
               <a:rPr lang="he-IL" smtClean="0"/>
-              <a:t>ט'/תמוז/תשפ"ד</a:t>
+              <a:t>י'/תמוז/תשפ"ד</a:t>
             </a:fld>
             <a:endParaRPr lang="he-IL"/>
           </a:p>
@@ -2413,7 +2511,7 @@
           <a:p>
             <a:fld id="{BD9CB361-BAEB-499F-9012-48A2D14050D0}" type="datetimeFigureOut">
               <a:rPr lang="he-IL" smtClean="0"/>
-              <a:t>ט'/תמוז/תשפ"ד</a:t>
+              <a:t>י'/תמוז/תשפ"ד</a:t>
             </a:fld>
             <a:endParaRPr lang="he-IL"/>
           </a:p>
@@ -2689,7 +2787,7 @@
           <a:p>
             <a:fld id="{BD9CB361-BAEB-499F-9012-48A2D14050D0}" type="datetimeFigureOut">
               <a:rPr lang="he-IL" smtClean="0"/>
-              <a:t>ט'/תמוז/תשפ"ד</a:t>
+              <a:t>י'/תמוז/תשפ"ד</a:t>
             </a:fld>
             <a:endParaRPr lang="he-IL"/>
           </a:p>
@@ -2957,7 +3055,7 @@
           <a:p>
             <a:fld id="{BD9CB361-BAEB-499F-9012-48A2D14050D0}" type="datetimeFigureOut">
               <a:rPr lang="he-IL" smtClean="0"/>
-              <a:t>ט'/תמוז/תשפ"ד</a:t>
+              <a:t>י'/תמוז/תשפ"ד</a:t>
             </a:fld>
             <a:endParaRPr lang="he-IL"/>
           </a:p>
@@ -3372,7 +3470,7 @@
           <a:p>
             <a:fld id="{BD9CB361-BAEB-499F-9012-48A2D14050D0}" type="datetimeFigureOut">
               <a:rPr lang="he-IL" smtClean="0"/>
-              <a:t>ט'/תמוז/תשפ"ד</a:t>
+              <a:t>י'/תמוז/תשפ"ד</a:t>
             </a:fld>
             <a:endParaRPr lang="he-IL"/>
           </a:p>
@@ -3514,7 +3612,7 @@
           <a:p>
             <a:fld id="{BD9CB361-BAEB-499F-9012-48A2D14050D0}" type="datetimeFigureOut">
               <a:rPr lang="he-IL" smtClean="0"/>
-              <a:t>ט'/תמוז/תשפ"ד</a:t>
+              <a:t>י'/תמוז/תשפ"ד</a:t>
             </a:fld>
             <a:endParaRPr lang="he-IL"/>
           </a:p>
@@ -3627,7 +3725,7 @@
           <a:p>
             <a:fld id="{BD9CB361-BAEB-499F-9012-48A2D14050D0}" type="datetimeFigureOut">
               <a:rPr lang="he-IL" smtClean="0"/>
-              <a:t>ט'/תמוז/תשפ"ד</a:t>
+              <a:t>י'/תמוז/תשפ"ד</a:t>
             </a:fld>
             <a:endParaRPr lang="he-IL"/>
           </a:p>
@@ -3940,7 +4038,7 @@
           <a:p>
             <a:fld id="{BD9CB361-BAEB-499F-9012-48A2D14050D0}" type="datetimeFigureOut">
               <a:rPr lang="he-IL" smtClean="0"/>
-              <a:t>ט'/תמוז/תשפ"ד</a:t>
+              <a:t>י'/תמוז/תשפ"ד</a:t>
             </a:fld>
             <a:endParaRPr lang="he-IL"/>
           </a:p>
@@ -4229,7 +4327,7 @@
           <a:p>
             <a:fld id="{BD9CB361-BAEB-499F-9012-48A2D14050D0}" type="datetimeFigureOut">
               <a:rPr lang="he-IL" smtClean="0"/>
-              <a:t>ט'/תמוז/תשפ"ד</a:t>
+              <a:t>י'/תמוז/תשפ"ד</a:t>
             </a:fld>
             <a:endParaRPr lang="he-IL"/>
           </a:p>
@@ -4472,7 +4570,7 @@
           <a:p>
             <a:fld id="{BD9CB361-BAEB-499F-9012-48A2D14050D0}" type="datetimeFigureOut">
               <a:rPr lang="he-IL" smtClean="0"/>
-              <a:t>ט'/תמוז/תשפ"ד</a:t>
+              <a:t>י'/תמוז/תשפ"ד</a:t>
             </a:fld>
             <a:endParaRPr lang="he-IL"/>
           </a:p>
@@ -5738,13 +5836,6 @@
           <a:lstStyle/>
           <a:p>
             <a:r>
-              <a:rPr lang="en-US" b="1" dirty="0"/>
-              <a:t>Men Are from Mars, Women Are from Venus</a:t>
-            </a:r>
-            <a:br>
-              <a:rPr lang="he-IL" dirty="0"/>
-            </a:br>
-            <a:r>
               <a:rPr lang="en-US" dirty="0"/>
               <a:t>Female Vs Male – how different are they?</a:t>
             </a:r>
@@ -5893,6 +5984,112 @@
 </file>
 
 <file path=ppt/slides/slide17.xml><?xml version="1.0" encoding="utf-8"?>
+<p:sld xmlns:a="http://schemas.openxmlformats.org/drawingml/2006/main" xmlns:r="http://schemas.openxmlformats.org/officeDocument/2006/relationships" xmlns:p="http://schemas.openxmlformats.org/presentationml/2006/main" show="0">
+  <p:cSld>
+    <p:spTree>
+      <p:nvGrpSpPr>
+        <p:cNvPr id="1" name=""/>
+        <p:cNvGrpSpPr/>
+        <p:nvPr/>
+      </p:nvGrpSpPr>
+      <p:grpSpPr>
+        <a:xfrm>
+          <a:off x="0" y="0"/>
+          <a:ext cx="0" cy="0"/>
+          <a:chOff x="0" y="0"/>
+          <a:chExt cx="0" cy="0"/>
+        </a:xfrm>
+      </p:grpSpPr>
+      <p:sp>
+        <p:nvSpPr>
+          <p:cNvPr id="2" name="Title 1">
+            <a:extLst>
+              <a:ext uri="{FF2B5EF4-FFF2-40B4-BE49-F238E27FC236}">
+                <a16:creationId xmlns:a16="http://schemas.microsoft.com/office/drawing/2014/main" id="{B8F74EA1-A6A0-3E68-010B-D1B917339268}"/>
+              </a:ext>
+            </a:extLst>
+          </p:cNvPr>
+          <p:cNvSpPr>
+            <a:spLocks noGrp="1"/>
+          </p:cNvSpPr>
+          <p:nvPr>
+            <p:ph type="title"/>
+          </p:nvPr>
+        </p:nvSpPr>
+        <p:spPr/>
+        <p:txBody>
+          <a:bodyPr/>
+          <a:lstStyle/>
+          <a:p>
+            <a:r>
+              <a:rPr lang="en-US" dirty="0"/>
+              <a:t>Most common bacteria</a:t>
+            </a:r>
+            <a:endParaRPr lang="en-IL" dirty="0"/>
+          </a:p>
+        </p:txBody>
+      </p:sp>
+      <p:sp>
+        <p:nvSpPr>
+          <p:cNvPr id="3" name="Content Placeholder 2">
+            <a:extLst>
+              <a:ext uri="{FF2B5EF4-FFF2-40B4-BE49-F238E27FC236}">
+                <a16:creationId xmlns:a16="http://schemas.microsoft.com/office/drawing/2014/main" id="{00799CF5-C77C-4A37-B6DB-58CFF83103A0}"/>
+              </a:ext>
+            </a:extLst>
+          </p:cNvPr>
+          <p:cNvSpPr>
+            <a:spLocks noGrp="1"/>
+          </p:cNvSpPr>
+          <p:nvPr>
+            <p:ph idx="1"/>
+          </p:nvPr>
+        </p:nvSpPr>
+        <p:spPr/>
+        <p:txBody>
+          <a:bodyPr/>
+          <a:lstStyle/>
+          <a:p>
+            <a:r>
+              <a:rPr lang="en-US" dirty="0"/>
+              <a:t>6 most common bacteria constitute over 68% of the composition</a:t>
+            </a:r>
+            <a:endParaRPr lang="he-IL" dirty="0"/>
+          </a:p>
+          <a:p>
+            <a:r>
+              <a:rPr lang="en-US" dirty="0"/>
+              <a:t>Focus on this group of bacteria</a:t>
+            </a:r>
+            <a:endParaRPr lang="he-IL" dirty="0"/>
+          </a:p>
+          <a:p>
+            <a:r>
+              <a:rPr lang="en-US"/>
+              <a:t>Correlation between different </a:t>
+            </a:r>
+            <a:r>
+              <a:rPr lang="en-US" dirty="0"/>
+              <a:t>bacteria</a:t>
+            </a:r>
+            <a:endParaRPr lang="en-IL" dirty="0"/>
+          </a:p>
+        </p:txBody>
+      </p:sp>
+    </p:spTree>
+    <p:extLst>
+      <p:ext uri="{BB962C8B-B14F-4D97-AF65-F5344CB8AC3E}">
+        <p14:creationId xmlns:p14="http://schemas.microsoft.com/office/powerpoint/2010/main" val="3952605482"/>
+      </p:ext>
+    </p:extLst>
+  </p:cSld>
+  <p:clrMapOvr>
+    <a:masterClrMapping/>
+  </p:clrMapOvr>
+</p:sld>
+</file>
+
+<file path=ppt/slides/slide18.xml><?xml version="1.0" encoding="utf-8"?>
 <p:sld xmlns:a="http://schemas.openxmlformats.org/drawingml/2006/main" xmlns:r="http://schemas.openxmlformats.org/officeDocument/2006/relationships" xmlns:p="http://schemas.openxmlformats.org/presentationml/2006/main">
   <p:cSld>
     <p:spTree>
@@ -6900,10 +7097,10 @@
       </p:sp>
       <p:pic>
         <p:nvPicPr>
-          <p:cNvPr id="5" name="Content Placeholder 4" descr="A graph of a normal distribution&#10;&#10;Description automatically generated">
-            <a:extLst>
-              <a:ext uri="{FF2B5EF4-FFF2-40B4-BE49-F238E27FC236}">
-                <a16:creationId xmlns:a16="http://schemas.microsoft.com/office/drawing/2014/main" id="{D1B3874B-F45C-4F5C-1A42-4D608278D682}"/>
+          <p:cNvPr id="7" name="Content Placeholder 6">
+            <a:extLst>
+              <a:ext uri="{FF2B5EF4-FFF2-40B4-BE49-F238E27FC236}">
+                <a16:creationId xmlns:a16="http://schemas.microsoft.com/office/drawing/2014/main" id="{11AA93A8-532D-B8EF-746A-13DDC8830E54}"/>
               </a:ext>
             </a:extLst>
           </p:cNvPr>
@@ -6928,8 +7125,8 @@
         </p:blipFill>
         <p:spPr>
           <a:xfrm>
-            <a:off x="3395662" y="1834356"/>
-            <a:ext cx="5400675" cy="4333875"/>
+            <a:off x="2878581" y="1566555"/>
+            <a:ext cx="6434837" cy="5163758"/>
           </a:xfrm>
         </p:spPr>
       </p:pic>
